--- a/ASF-Training/ASF-slides/M02b Azure Stack Hub Deployment Prerequisites.pptx
+++ b/ASF-Training/ASF-slides/M02b Azure Stack Hub Deployment Prerequisites.pptx
@@ -10,7 +10,7 @@
     <p:sldMasterId id="2147483857" r:id="rId6"/>
   </p:sldMasterIdLst>
   <p:notesMasterIdLst>
-    <p:notesMasterId r:id="rId37"/>
+    <p:notesMasterId r:id="rId36"/>
   </p:notesMasterIdLst>
   <p:sldIdLst>
     <p:sldId id="265" r:id="rId7"/>
@@ -28,21 +28,20 @@
     <p:sldId id="1703" r:id="rId19"/>
     <p:sldId id="274" r:id="rId20"/>
     <p:sldId id="350" r:id="rId21"/>
-    <p:sldId id="340" r:id="rId22"/>
-    <p:sldId id="339" r:id="rId23"/>
-    <p:sldId id="341" r:id="rId24"/>
-    <p:sldId id="347" r:id="rId25"/>
-    <p:sldId id="263" r:id="rId26"/>
-    <p:sldId id="280" r:id="rId27"/>
-    <p:sldId id="283" r:id="rId28"/>
-    <p:sldId id="279" r:id="rId29"/>
-    <p:sldId id="284" r:id="rId30"/>
-    <p:sldId id="285" r:id="rId31"/>
-    <p:sldId id="352" r:id="rId32"/>
-    <p:sldId id="342" r:id="rId33"/>
-    <p:sldId id="1700" r:id="rId34"/>
-    <p:sldId id="269" r:id="rId35"/>
-    <p:sldId id="270" r:id="rId36"/>
+    <p:sldId id="339" r:id="rId22"/>
+    <p:sldId id="341" r:id="rId23"/>
+    <p:sldId id="347" r:id="rId24"/>
+    <p:sldId id="263" r:id="rId25"/>
+    <p:sldId id="280" r:id="rId26"/>
+    <p:sldId id="283" r:id="rId27"/>
+    <p:sldId id="279" r:id="rId28"/>
+    <p:sldId id="284" r:id="rId29"/>
+    <p:sldId id="285" r:id="rId30"/>
+    <p:sldId id="352" r:id="rId31"/>
+    <p:sldId id="342" r:id="rId32"/>
+    <p:sldId id="1700" r:id="rId33"/>
+    <p:sldId id="269" r:id="rId34"/>
+    <p:sldId id="270" r:id="rId35"/>
   </p:sldIdLst>
   <p:sldSz cx="12192000" cy="6858000"/>
   <p:notesSz cx="6858000" cy="9144000"/>
@@ -173,7 +172,6 @@
           <p14:sldIdLst>
             <p14:sldId id="274"/>
             <p14:sldId id="350"/>
-            <p14:sldId id="340"/>
             <p14:sldId id="339"/>
             <p14:sldId id="341"/>
             <p14:sldId id="347"/>
@@ -218,18 +216,16 @@
 </p:presentation>
 </file>
 
+<file path=ppt/authors.xml><?xml version="1.0" encoding="utf-8"?>
+<p188:authorLst xmlns:a="http://schemas.openxmlformats.org/drawingml/2006/main" xmlns:r="http://schemas.openxmlformats.org/officeDocument/2006/relationships" xmlns:p188="http://schemas.microsoft.com/office/powerpoint/2018/8/main">
+  <p188:author id="{00000000-0000-0000-0000-000000000000}" name="Author" initials="A" userId="Author" providerId="AD"/>
+</p188:authorLst>
+</file>
+
 <file path=ppt/commentAuthors.xml><?xml version="1.0" encoding="utf-8"?>
 <p:cmAuthorLst xmlns:a="http://schemas.openxmlformats.org/drawingml/2006/main" xmlns:r="http://schemas.openxmlformats.org/officeDocument/2006/relationships" xmlns:p="http://schemas.openxmlformats.org/presentationml/2006/main">
   <p:cmAuthor id="5" name="Author" initials="A" lastIdx="0" clrIdx="4"/>
 </p:cmAuthorLst>
-</file>
-
-<file path=ppt/revisionInfo.xml><?xml version="1.0" encoding="utf-8"?>
-<p1510:revInfo xmlns:a="http://schemas.openxmlformats.org/drawingml/2006/main" xmlns:r="http://schemas.openxmlformats.org/officeDocument/2006/relationships" xmlns:p1510="http://schemas.microsoft.com/office/powerpoint/2015/10/main">
-  <p1510:revLst>
-    <p1510:client id="{146CE0A8-07F2-408C-A46A-ED08042B8DEC}" v="20" dt="2020-03-05T18:41:35.776"/>
-  </p1510:revLst>
-</p1510:revInfo>
 </file>
 
 <file path=ppt/notesMasters/notesMaster1.xml><?xml version="1.0" encoding="utf-8"?>
@@ -314,7 +310,7 @@
           <a:p>
             <a:fld id="{F4A14FFF-A67F-4A00-8BFD-1810B4BC2F02}" type="datetimeFigureOut">
               <a:rPr lang="de-DE" smtClean="0"/>
-              <a:t>05.03.2020</a:t>
+              <a:t>31.05.2021</a:t>
             </a:fld>
             <a:endParaRPr lang="de-DE"/>
           </a:p>
@@ -666,7 +662,7 @@
           <a:p>
             <a:fld id="{56C2EDE2-D073-4F7E-A469-E134256712C5}" type="datetime8">
               <a:rPr lang="en-US" smtClean="0"/>
-              <a:t>3/5/2020 1:41 PM</a:t>
+              <a:t>5/31/2021 4:23 PM</a:t>
             </a:fld>
             <a:endParaRPr lang="en-US" dirty="0"/>
           </a:p>
@@ -1402,7 +1398,7 @@
                 <a:tabLst/>
                 <a:defRPr/>
               </a:pPr>
-              <a:t>3/5/2020 1:41 PM</a:t>
+              <a:t>5/31/2021 4:23 PM</a:t>
             </a:fld>
             <a:endParaRPr kumimoji="0" lang="en-US" sz="1200" b="0" i="0" u="none" strike="noStrike" kern="1200" cap="none" spc="0" normalizeH="0" baseline="0" noProof="0" dirty="0">
               <a:ln>
@@ -1561,7 +1557,122 @@
           <a:bodyPr/>
           <a:lstStyle/>
           <a:p>
+            <a:r>
+              <a:rPr lang="en-US" dirty="0">
+                <a:cs typeface="Calibri"/>
+              </a:rPr>
+              <a:t>BMC Network - </a:t>
+            </a:r>
+            <a:r>
+              <a:rPr lang="en-US" dirty="0">
+                <a:hlinkClick r:id="rId3"/>
+              </a:rPr>
+              <a:t>Network integration planning for Azure Stack Hub - Azure Stack Hub | Microsoft Docs</a:t>
+            </a:r>
+            <a:br>
+              <a:rPr lang="en-US" dirty="0">
+                <a:cs typeface="Calibri"/>
+              </a:rPr>
+            </a:br>
+            <a:endParaRPr lang="en-US" dirty="0">
+              <a:cs typeface="Calibri"/>
+              <a:hlinkClick r:id="rId3"/>
+            </a:endParaRPr>
+          </a:p>
+          <a:p>
+            <a:r>
+              <a:rPr lang="en-US" dirty="0">
+                <a:cs typeface="Calibri"/>
+              </a:rPr>
+              <a:t>Private Network - </a:t>
+            </a:r>
+            <a:r>
+              <a:rPr lang="en-US" dirty="0">
+                <a:hlinkClick r:id="rId3"/>
+              </a:rPr>
+              <a:t>https://docs.microsoft.com/en-us/azure-stack/operator/azure-stack-network?view=azs-2008#bmc-network</a:t>
+            </a:r>
+            <a:endParaRPr lang="en-US" dirty="0">
+              <a:cs typeface="Calibri"/>
+            </a:endParaRPr>
+          </a:p>
+          <a:p>
             <a:endParaRPr lang="en-US" dirty="0"/>
+          </a:p>
+          <a:p>
+            <a:r>
+              <a:rPr lang="en-US" dirty="0">
+                <a:cs typeface="Calibri"/>
+              </a:rPr>
+              <a:t>Infrastructure Network - </a:t>
+            </a:r>
+            <a:r>
+              <a:rPr lang="en-US" dirty="0">
+                <a:hlinkClick r:id="rId4"/>
+              </a:rPr>
+              <a:t>Network integration planning for Azure Stack Hub - Azure Stack Hub | Microsoft Docs</a:t>
+            </a:r>
+            <a:endParaRPr lang="en-US" dirty="0">
+              <a:cs typeface="Calibri"/>
+            </a:endParaRPr>
+          </a:p>
+          <a:p>
+            <a:endParaRPr lang="en-US" dirty="0">
+              <a:cs typeface="Calibri"/>
+            </a:endParaRPr>
+          </a:p>
+          <a:p>
+            <a:r>
+              <a:rPr lang="en-US" dirty="0">
+                <a:cs typeface="Calibri"/>
+              </a:rPr>
+              <a:t>Public VIP Network - </a:t>
+            </a:r>
+            <a:r>
+              <a:rPr lang="en-US" dirty="0">
+                <a:hlinkClick r:id="rId5"/>
+              </a:rPr>
+              <a:t>Network integration planning for Azure Stack Hub - Azure Stack Hub | Microsoft Docs</a:t>
+            </a:r>
+            <a:br>
+              <a:rPr lang="en-US" dirty="0">
+                <a:cs typeface="+mn-lt"/>
+              </a:rPr>
+            </a:br>
+            <a:br>
+              <a:rPr lang="en-US" dirty="0">
+                <a:cs typeface="+mn-lt"/>
+              </a:rPr>
+            </a:br>
+            <a:r>
+              <a:rPr lang="en-US" dirty="0">
+                <a:cs typeface="Calibri"/>
+              </a:rPr>
+              <a:t>Switch </a:t>
+            </a:r>
+            <a:r>
+              <a:rPr lang="en-US" dirty="0" err="1">
+                <a:cs typeface="Calibri"/>
+              </a:rPr>
+              <a:t>Mgmt</a:t>
+            </a:r>
+            <a:r>
+              <a:rPr lang="en-US" dirty="0">
+                <a:cs typeface="Calibri"/>
+              </a:rPr>
+              <a:t> Network - </a:t>
+            </a:r>
+            <a:r>
+              <a:rPr lang="en-US" dirty="0">
+                <a:hlinkClick r:id="rId6"/>
+              </a:rPr>
+              <a:t>Network integration planning for Azure Stack Hub - Azure Stack Hub | Microsoft Docs</a:t>
+            </a:r>
+          </a:p>
+          <a:p>
+            <a:endParaRPr lang="en-US" dirty="0">
+              <a:cs typeface="Calibri"/>
+            </a:endParaRPr>
           </a:p>
         </p:txBody>
       </p:sp>
@@ -1738,7 +1849,7 @@
                 <a:tabLst/>
                 <a:defRPr/>
               </a:pPr>
-              <a:t>3/5/2020 1:41 PM</a:t>
+              <a:t>5/31/2021 4:23 PM</a:t>
             </a:fld>
             <a:endParaRPr kumimoji="0" lang="en-US" sz="1200" b="0" i="0" u="none" strike="noStrike" kern="1200" cap="none" spc="0" normalizeH="0" baseline="0" noProof="0">
               <a:ln>
@@ -1897,7 +2008,7 @@
           <a:bodyPr/>
           <a:lstStyle/>
           <a:p>
-            <a:endParaRPr lang="de-DE" dirty="0"/>
+            <a:endParaRPr lang="en-US" dirty="0"/>
           </a:p>
         </p:txBody>
       </p:sp>
@@ -1927,7 +2038,7 @@
     </p:spTree>
     <p:extLst>
       <p:ext uri="{BB962C8B-B14F-4D97-AF65-F5344CB8AC3E}">
-        <p14:creationId xmlns:p14="http://schemas.microsoft.com/office/powerpoint/2010/main" val="1342105516"/>
+        <p14:creationId xmlns:p14="http://schemas.microsoft.com/office/powerpoint/2010/main" val="963439091"/>
       </p:ext>
     </p:extLst>
   </p:cSld>
@@ -1981,7 +2092,7 @@
           <a:bodyPr/>
           <a:lstStyle/>
           <a:p>
-            <a:endParaRPr lang="en-US" dirty="0"/>
+            <a:endParaRPr lang="de-DE" dirty="0"/>
           </a:p>
         </p:txBody>
       </p:sp>
@@ -2011,7 +2122,7 @@
     </p:spTree>
     <p:extLst>
       <p:ext uri="{BB962C8B-B14F-4D97-AF65-F5344CB8AC3E}">
-        <p14:creationId xmlns:p14="http://schemas.microsoft.com/office/powerpoint/2010/main" val="963439091"/>
+        <p14:creationId xmlns:p14="http://schemas.microsoft.com/office/powerpoint/2010/main" val="2461624136"/>
       </p:ext>
     </p:extLst>
   </p:cSld>
@@ -2065,7 +2176,7 @@
           <a:bodyPr/>
           <a:lstStyle/>
           <a:p>
-            <a:endParaRPr lang="de-DE" dirty="0"/>
+            <a:endParaRPr lang="en-US" dirty="0"/>
           </a:p>
         </p:txBody>
       </p:sp>
@@ -2095,7 +2206,7 @@
     </p:spTree>
     <p:extLst>
       <p:ext uri="{BB962C8B-B14F-4D97-AF65-F5344CB8AC3E}">
-        <p14:creationId xmlns:p14="http://schemas.microsoft.com/office/powerpoint/2010/main" val="2461624136"/>
+        <p14:creationId xmlns:p14="http://schemas.microsoft.com/office/powerpoint/2010/main" val="4085459971"/>
       </p:ext>
     </p:extLst>
   </p:cSld>
@@ -2149,18 +2260,22 @@
           <a:bodyPr/>
           <a:lstStyle/>
           <a:p>
+            <a:pPr marL="0" indent="0">
+              <a:buFont typeface="Arial" panose="020B0604020202020204" pitchFamily="34" charset="0"/>
+              <a:buNone/>
+            </a:pPr>
             <a:endParaRPr lang="en-US" dirty="0"/>
           </a:p>
         </p:txBody>
       </p:sp>
       <p:sp>
         <p:nvSpPr>
-          <p:cNvPr id="4" name="Slide Number Placeholder 3"/>
+          <p:cNvPr id="4" name="Header Placeholder 3"/>
           <p:cNvSpPr>
             <a:spLocks noGrp="1"/>
           </p:cNvSpPr>
           <p:nvPr>
-            <p:ph type="sldNum" sz="quarter" idx="10"/>
+            <p:ph type="hdr" sz="quarter" idx="10"/>
           </p:nvPr>
         </p:nvSpPr>
         <p:spPr/>
@@ -2168,18 +2283,270 @@
           <a:bodyPr/>
           <a:lstStyle/>
           <a:p>
-            <a:fld id="{A5A8432B-5E68-416F-8060-77044B5A97EA}" type="slidenum">
-              <a:rPr lang="de-DE" smtClean="0"/>
+            <a:pPr marL="0" marR="0" lvl="0" indent="0" algn="l" defTabSz="932742" rtl="0" eaLnBrk="1" fontAlgn="auto" latinLnBrk="0" hangingPunct="1">
+              <a:lnSpc>
+                <a:spcPct val="100000"/>
+              </a:lnSpc>
+              <a:spcBef>
+                <a:spcPts val="0"/>
+              </a:spcBef>
+              <a:spcAft>
+                <a:spcPts val="0"/>
+              </a:spcAft>
+              <a:buClrTx/>
+              <a:buSzTx/>
+              <a:buFontTx/>
+              <a:buNone/>
+              <a:tabLst/>
+              <a:defRPr/>
+            </a:pPr>
+            <a:endParaRPr kumimoji="0" lang="en-US" sz="1200" b="0" i="0" u="none" strike="noStrike" kern="1200" cap="none" spc="0" normalizeH="0" baseline="0" noProof="0">
+              <a:ln>
+                <a:noFill/>
+              </a:ln>
+              <a:solidFill>
+                <a:prstClr val="black"/>
+              </a:solidFill>
+              <a:effectLst/>
+              <a:uLnTx/>
+              <a:uFillTx/>
+              <a:latin typeface="Segoe UI" pitchFamily="34" charset="0"/>
+              <a:ea typeface="+mn-ea"/>
+              <a:cs typeface="+mn-cs"/>
+            </a:endParaRPr>
+          </a:p>
+        </p:txBody>
+      </p:sp>
+      <p:sp>
+        <p:nvSpPr>
+          <p:cNvPr id="5" name="Footer Placeholder 4"/>
+          <p:cNvSpPr>
+            <a:spLocks noGrp="1"/>
+          </p:cNvSpPr>
+          <p:nvPr>
+            <p:ph type="ftr" sz="quarter" idx="11"/>
+          </p:nvPr>
+        </p:nvSpPr>
+        <p:spPr/>
+        <p:txBody>
+          <a:bodyPr/>
+          <a:lstStyle/>
+          <a:p>
+            <a:pPr marL="571500" marR="0" lvl="0" indent="0" algn="l" defTabSz="914099" rtl="0" eaLnBrk="0" fontAlgn="auto" latinLnBrk="0" hangingPunct="0">
+              <a:lnSpc>
+                <a:spcPct val="100000"/>
+              </a:lnSpc>
+              <a:spcBef>
+                <a:spcPts val="0"/>
+              </a:spcBef>
+              <a:spcAft>
+                <a:spcPts val="0"/>
+              </a:spcAft>
+              <a:buClrTx/>
+              <a:buSzTx/>
+              <a:buFontTx/>
+              <a:buNone/>
+              <a:tabLst/>
+              <a:defRPr/>
+            </a:pPr>
+            <a:r>
+              <a:rPr kumimoji="0" lang="en-US" sz="400" b="0" i="0" u="none" strike="noStrike" kern="1200" cap="none" spc="0" normalizeH="0" baseline="0" noProof="0">
+                <a:ln>
+                  <a:noFill/>
+                </a:ln>
+                <a:gradFill>
+                  <a:gsLst>
+                    <a:gs pos="0">
+                      <a:prstClr val="black"/>
+                    </a:gs>
+                    <a:gs pos="100000">
+                      <a:prstClr val="black"/>
+                    </a:gs>
+                  </a:gsLst>
+                  <a:lin ang="5400000" scaled="0"/>
+                </a:gradFill>
+                <a:effectLst/>
+                <a:uLnTx/>
+                <a:uFillTx/>
+                <a:latin typeface="Segoe UI" pitchFamily="34" charset="0"/>
+                <a:ea typeface="Segoe UI" pitchFamily="34" charset="0"/>
+                <a:cs typeface="Segoe UI" pitchFamily="34" charset="0"/>
+              </a:rPr>
+              <a:t>© 2014 Microsoft Corporation. All rights reserved. MICROSOFT MAKES NO WARRANTIES, EXPRESS, IMPLIED OR STATUTORY, AS TO THE INFORMATION IN THIS PRESENTATION.</a:t>
+            </a:r>
+          </a:p>
+        </p:txBody>
+      </p:sp>
+      <p:sp>
+        <p:nvSpPr>
+          <p:cNvPr id="6" name="Date Placeholder 5"/>
+          <p:cNvSpPr>
+            <a:spLocks noGrp="1"/>
+          </p:cNvSpPr>
+          <p:nvPr>
+            <p:ph type="dt" idx="12"/>
+          </p:nvPr>
+        </p:nvSpPr>
+        <p:spPr/>
+        <p:txBody>
+          <a:bodyPr/>
+          <a:lstStyle/>
+          <a:p>
+            <a:pPr marL="0" marR="0" lvl="0" indent="0" algn="r" defTabSz="932742" rtl="0" eaLnBrk="1" fontAlgn="auto" latinLnBrk="0" hangingPunct="1">
+              <a:lnSpc>
+                <a:spcPct val="100000"/>
+              </a:lnSpc>
+              <a:spcBef>
+                <a:spcPts val="0"/>
+              </a:spcBef>
+              <a:spcAft>
+                <a:spcPts val="0"/>
+              </a:spcAft>
+              <a:buClrTx/>
+              <a:buSzTx/>
+              <a:buFontTx/>
+              <a:buNone/>
+              <a:tabLst/>
+              <a:defRPr/>
+            </a:pPr>
+            <a:fld id="{38EEC551-8CDA-4EB6-89BB-2A86C9F091C8}" type="datetime8">
+              <a:rPr kumimoji="0" lang="en-US" sz="1200" b="0" i="0" u="none" strike="noStrike" kern="1200" cap="none" spc="0" normalizeH="0" baseline="0" noProof="0" smtClean="0">
+                <a:ln>
+                  <a:noFill/>
+                </a:ln>
+                <a:solidFill>
+                  <a:prstClr val="black"/>
+                </a:solidFill>
+                <a:effectLst/>
+                <a:uLnTx/>
+                <a:uFillTx/>
+                <a:latin typeface="Segoe UI" pitchFamily="34" charset="0"/>
+                <a:ea typeface="+mn-ea"/>
+                <a:cs typeface="+mn-cs"/>
+              </a:rPr>
+              <a:pPr marL="0" marR="0" lvl="0" indent="0" algn="r" defTabSz="932742" rtl="0" eaLnBrk="1" fontAlgn="auto" latinLnBrk="0" hangingPunct="1">
+                <a:lnSpc>
+                  <a:spcPct val="100000"/>
+                </a:lnSpc>
+                <a:spcBef>
+                  <a:spcPts val="0"/>
+                </a:spcBef>
+                <a:spcAft>
+                  <a:spcPts val="0"/>
+                </a:spcAft>
+                <a:buClrTx/>
+                <a:buSzTx/>
+                <a:buFontTx/>
+                <a:buNone/>
+                <a:tabLst/>
+                <a:defRPr/>
+              </a:pPr>
+              <a:t>5/31/2021 4:23 PM</a:t>
+            </a:fld>
+            <a:endParaRPr kumimoji="0" lang="en-US" sz="1200" b="0" i="0" u="none" strike="noStrike" kern="1200" cap="none" spc="0" normalizeH="0" baseline="0" noProof="0">
+              <a:ln>
+                <a:noFill/>
+              </a:ln>
+              <a:solidFill>
+                <a:prstClr val="black"/>
+              </a:solidFill>
+              <a:effectLst/>
+              <a:uLnTx/>
+              <a:uFillTx/>
+              <a:latin typeface="Segoe UI" pitchFamily="34" charset="0"/>
+              <a:ea typeface="+mn-ea"/>
+              <a:cs typeface="+mn-cs"/>
+            </a:endParaRPr>
+          </a:p>
+        </p:txBody>
+      </p:sp>
+      <p:sp>
+        <p:nvSpPr>
+          <p:cNvPr id="7" name="Slide Number Placeholder 6"/>
+          <p:cNvSpPr>
+            <a:spLocks noGrp="1"/>
+          </p:cNvSpPr>
+          <p:nvPr>
+            <p:ph type="sldNum" sz="quarter" idx="13"/>
+          </p:nvPr>
+        </p:nvSpPr>
+        <p:spPr/>
+        <p:txBody>
+          <a:bodyPr/>
+          <a:lstStyle/>
+          <a:p>
+            <a:pPr marL="0" marR="0" lvl="0" indent="0" algn="r" defTabSz="932742" rtl="0" eaLnBrk="1" fontAlgn="auto" latinLnBrk="0" hangingPunct="1">
+              <a:lnSpc>
+                <a:spcPct val="100000"/>
+              </a:lnSpc>
+              <a:spcBef>
+                <a:spcPts val="0"/>
+              </a:spcBef>
+              <a:spcAft>
+                <a:spcPts val="0"/>
+              </a:spcAft>
+              <a:buClrTx/>
+              <a:buSzTx/>
+              <a:buFontTx/>
+              <a:buNone/>
+              <a:tabLst/>
+              <a:defRPr/>
+            </a:pPr>
+            <a:fld id="{B4008EB6-D09E-4580-8CD6-DDB14511944F}" type="slidenum">
+              <a:rPr kumimoji="0" lang="en-US" sz="1200" b="0" i="0" u="none" strike="noStrike" kern="1200" cap="none" spc="0" normalizeH="0" baseline="0" noProof="0" smtClean="0">
+                <a:ln>
+                  <a:noFill/>
+                </a:ln>
+                <a:solidFill>
+                  <a:prstClr val="black"/>
+                </a:solidFill>
+                <a:effectLst/>
+                <a:uLnTx/>
+                <a:uFillTx/>
+                <a:latin typeface="Segoe UI" pitchFamily="34" charset="0"/>
+                <a:ea typeface="+mn-ea"/>
+                <a:cs typeface="+mn-cs"/>
+              </a:rPr>
+              <a:pPr marL="0" marR="0" lvl="0" indent="0" algn="r" defTabSz="932742" rtl="0" eaLnBrk="1" fontAlgn="auto" latinLnBrk="0" hangingPunct="1">
+                <a:lnSpc>
+                  <a:spcPct val="100000"/>
+                </a:lnSpc>
+                <a:spcBef>
+                  <a:spcPts val="0"/>
+                </a:spcBef>
+                <a:spcAft>
+                  <a:spcPts val="0"/>
+                </a:spcAft>
+                <a:buClrTx/>
+                <a:buSzTx/>
+                <a:buFontTx/>
+                <a:buNone/>
+                <a:tabLst/>
+                <a:defRPr/>
+              </a:pPr>
               <a:t>19</a:t>
             </a:fld>
-            <a:endParaRPr lang="de-DE"/>
+            <a:endParaRPr kumimoji="0" lang="en-US" sz="1200" b="0" i="0" u="none" strike="noStrike" kern="1200" cap="none" spc="0" normalizeH="0" baseline="0" noProof="0">
+              <a:ln>
+                <a:noFill/>
+              </a:ln>
+              <a:solidFill>
+                <a:prstClr val="black"/>
+              </a:solidFill>
+              <a:effectLst/>
+              <a:uLnTx/>
+              <a:uFillTx/>
+              <a:latin typeface="Segoe UI" pitchFamily="34" charset="0"/>
+              <a:ea typeface="+mn-ea"/>
+              <a:cs typeface="+mn-cs"/>
+            </a:endParaRPr>
           </a:p>
         </p:txBody>
       </p:sp>
     </p:spTree>
     <p:extLst>
       <p:ext uri="{BB962C8B-B14F-4D97-AF65-F5344CB8AC3E}">
-        <p14:creationId xmlns:p14="http://schemas.microsoft.com/office/powerpoint/2010/main" val="4085459971"/>
+        <p14:creationId xmlns:p14="http://schemas.microsoft.com/office/powerpoint/2010/main" val="3640182044"/>
       </p:ext>
     </p:extLst>
   </p:cSld>
@@ -2344,7 +2711,7 @@
                 <a:tabLst/>
                 <a:defRPr/>
               </a:pPr>
-              <a:t>3/5/2020 1:38 PM</a:t>
+              <a:t>5/31/2021 4:23 PM</a:t>
             </a:fld>
             <a:endParaRPr kumimoji="0" lang="en-US" sz="1800" b="0" i="0" u="none" strike="noStrike" kern="0" cap="none" spc="0" normalizeH="0" baseline="0" noProof="0">
               <a:ln>
@@ -2554,22 +2921,18 @@
           <a:bodyPr/>
           <a:lstStyle/>
           <a:p>
-            <a:pPr marL="0" indent="0">
-              <a:buFont typeface="Arial" panose="020B0604020202020204" pitchFamily="34" charset="0"/>
-              <a:buNone/>
-            </a:pPr>
-            <a:endParaRPr lang="en-US" dirty="0"/>
+            <a:endParaRPr lang="de-DE" dirty="0"/>
           </a:p>
         </p:txBody>
       </p:sp>
       <p:sp>
         <p:nvSpPr>
-          <p:cNvPr id="4" name="Header Placeholder 3"/>
+          <p:cNvPr id="4" name="Slide Number Placeholder 3"/>
           <p:cNvSpPr>
             <a:spLocks noGrp="1"/>
           </p:cNvSpPr>
           <p:nvPr>
-            <p:ph type="hdr" sz="quarter" idx="10"/>
+            <p:ph type="sldNum" sz="quarter" idx="10"/>
           </p:nvPr>
         </p:nvSpPr>
         <p:spPr/>
@@ -2577,270 +2940,18 @@
           <a:bodyPr/>
           <a:lstStyle/>
           <a:p>
-            <a:pPr marL="0" marR="0" lvl="0" indent="0" algn="l" defTabSz="932742" rtl="0" eaLnBrk="1" fontAlgn="auto" latinLnBrk="0" hangingPunct="1">
-              <a:lnSpc>
-                <a:spcPct val="100000"/>
-              </a:lnSpc>
-              <a:spcBef>
-                <a:spcPts val="0"/>
-              </a:spcBef>
-              <a:spcAft>
-                <a:spcPts val="0"/>
-              </a:spcAft>
-              <a:buClrTx/>
-              <a:buSzTx/>
-              <a:buFontTx/>
-              <a:buNone/>
-              <a:tabLst/>
-              <a:defRPr/>
-            </a:pPr>
-            <a:endParaRPr kumimoji="0" lang="en-US" sz="1200" b="0" i="0" u="none" strike="noStrike" kern="1200" cap="none" spc="0" normalizeH="0" baseline="0" noProof="0">
-              <a:ln>
-                <a:noFill/>
-              </a:ln>
-              <a:solidFill>
-                <a:prstClr val="black"/>
-              </a:solidFill>
-              <a:effectLst/>
-              <a:uLnTx/>
-              <a:uFillTx/>
-              <a:latin typeface="Segoe UI" pitchFamily="34" charset="0"/>
-              <a:ea typeface="+mn-ea"/>
-              <a:cs typeface="+mn-cs"/>
-            </a:endParaRPr>
-          </a:p>
-        </p:txBody>
-      </p:sp>
-      <p:sp>
-        <p:nvSpPr>
-          <p:cNvPr id="5" name="Footer Placeholder 4"/>
-          <p:cNvSpPr>
-            <a:spLocks noGrp="1"/>
-          </p:cNvSpPr>
-          <p:nvPr>
-            <p:ph type="ftr" sz="quarter" idx="11"/>
-          </p:nvPr>
-        </p:nvSpPr>
-        <p:spPr/>
-        <p:txBody>
-          <a:bodyPr/>
-          <a:lstStyle/>
-          <a:p>
-            <a:pPr marL="571500" marR="0" lvl="0" indent="0" algn="l" defTabSz="914099" rtl="0" eaLnBrk="0" fontAlgn="auto" latinLnBrk="0" hangingPunct="0">
-              <a:lnSpc>
-                <a:spcPct val="100000"/>
-              </a:lnSpc>
-              <a:spcBef>
-                <a:spcPts val="0"/>
-              </a:spcBef>
-              <a:spcAft>
-                <a:spcPts val="0"/>
-              </a:spcAft>
-              <a:buClrTx/>
-              <a:buSzTx/>
-              <a:buFontTx/>
-              <a:buNone/>
-              <a:tabLst/>
-              <a:defRPr/>
-            </a:pPr>
-            <a:r>
-              <a:rPr kumimoji="0" lang="en-US" sz="400" b="0" i="0" u="none" strike="noStrike" kern="1200" cap="none" spc="0" normalizeH="0" baseline="0" noProof="0">
-                <a:ln>
-                  <a:noFill/>
-                </a:ln>
-                <a:gradFill>
-                  <a:gsLst>
-                    <a:gs pos="0">
-                      <a:prstClr val="black"/>
-                    </a:gs>
-                    <a:gs pos="100000">
-                      <a:prstClr val="black"/>
-                    </a:gs>
-                  </a:gsLst>
-                  <a:lin ang="5400000" scaled="0"/>
-                </a:gradFill>
-                <a:effectLst/>
-                <a:uLnTx/>
-                <a:uFillTx/>
-                <a:latin typeface="Segoe UI" pitchFamily="34" charset="0"/>
-                <a:ea typeface="Segoe UI" pitchFamily="34" charset="0"/>
-                <a:cs typeface="Segoe UI" pitchFamily="34" charset="0"/>
-              </a:rPr>
-              <a:t>© 2014 Microsoft Corporation. All rights reserved. MICROSOFT MAKES NO WARRANTIES, EXPRESS, IMPLIED OR STATUTORY, AS TO THE INFORMATION IN THIS PRESENTATION.</a:t>
-            </a:r>
-          </a:p>
-        </p:txBody>
-      </p:sp>
-      <p:sp>
-        <p:nvSpPr>
-          <p:cNvPr id="6" name="Date Placeholder 5"/>
-          <p:cNvSpPr>
-            <a:spLocks noGrp="1"/>
-          </p:cNvSpPr>
-          <p:nvPr>
-            <p:ph type="dt" idx="12"/>
-          </p:nvPr>
-        </p:nvSpPr>
-        <p:spPr/>
-        <p:txBody>
-          <a:bodyPr/>
-          <a:lstStyle/>
-          <a:p>
-            <a:pPr marL="0" marR="0" lvl="0" indent="0" algn="r" defTabSz="932742" rtl="0" eaLnBrk="1" fontAlgn="auto" latinLnBrk="0" hangingPunct="1">
-              <a:lnSpc>
-                <a:spcPct val="100000"/>
-              </a:lnSpc>
-              <a:spcBef>
-                <a:spcPts val="0"/>
-              </a:spcBef>
-              <a:spcAft>
-                <a:spcPts val="0"/>
-              </a:spcAft>
-              <a:buClrTx/>
-              <a:buSzTx/>
-              <a:buFontTx/>
-              <a:buNone/>
-              <a:tabLst/>
-              <a:defRPr/>
-            </a:pPr>
-            <a:fld id="{38EEC551-8CDA-4EB6-89BB-2A86C9F091C8}" type="datetime8">
-              <a:rPr kumimoji="0" lang="en-US" sz="1200" b="0" i="0" u="none" strike="noStrike" kern="1200" cap="none" spc="0" normalizeH="0" baseline="0" noProof="0" smtClean="0">
-                <a:ln>
-                  <a:noFill/>
-                </a:ln>
-                <a:solidFill>
-                  <a:prstClr val="black"/>
-                </a:solidFill>
-                <a:effectLst/>
-                <a:uLnTx/>
-                <a:uFillTx/>
-                <a:latin typeface="Segoe UI" pitchFamily="34" charset="0"/>
-                <a:ea typeface="+mn-ea"/>
-                <a:cs typeface="+mn-cs"/>
-              </a:rPr>
-              <a:pPr marL="0" marR="0" lvl="0" indent="0" algn="r" defTabSz="932742" rtl="0" eaLnBrk="1" fontAlgn="auto" latinLnBrk="0" hangingPunct="1">
-                <a:lnSpc>
-                  <a:spcPct val="100000"/>
-                </a:lnSpc>
-                <a:spcBef>
-                  <a:spcPts val="0"/>
-                </a:spcBef>
-                <a:spcAft>
-                  <a:spcPts val="0"/>
-                </a:spcAft>
-                <a:buClrTx/>
-                <a:buSzTx/>
-                <a:buFontTx/>
-                <a:buNone/>
-                <a:tabLst/>
-                <a:defRPr/>
-              </a:pPr>
-              <a:t>3/5/2020 1:41 PM</a:t>
-            </a:fld>
-            <a:endParaRPr kumimoji="0" lang="en-US" sz="1200" b="0" i="0" u="none" strike="noStrike" kern="1200" cap="none" spc="0" normalizeH="0" baseline="0" noProof="0">
-              <a:ln>
-                <a:noFill/>
-              </a:ln>
-              <a:solidFill>
-                <a:prstClr val="black"/>
-              </a:solidFill>
-              <a:effectLst/>
-              <a:uLnTx/>
-              <a:uFillTx/>
-              <a:latin typeface="Segoe UI" pitchFamily="34" charset="0"/>
-              <a:ea typeface="+mn-ea"/>
-              <a:cs typeface="+mn-cs"/>
-            </a:endParaRPr>
-          </a:p>
-        </p:txBody>
-      </p:sp>
-      <p:sp>
-        <p:nvSpPr>
-          <p:cNvPr id="7" name="Slide Number Placeholder 6"/>
-          <p:cNvSpPr>
-            <a:spLocks noGrp="1"/>
-          </p:cNvSpPr>
-          <p:nvPr>
-            <p:ph type="sldNum" sz="quarter" idx="13"/>
-          </p:nvPr>
-        </p:nvSpPr>
-        <p:spPr/>
-        <p:txBody>
-          <a:bodyPr/>
-          <a:lstStyle/>
-          <a:p>
-            <a:pPr marL="0" marR="0" lvl="0" indent="0" algn="r" defTabSz="932742" rtl="0" eaLnBrk="1" fontAlgn="auto" latinLnBrk="0" hangingPunct="1">
-              <a:lnSpc>
-                <a:spcPct val="100000"/>
-              </a:lnSpc>
-              <a:spcBef>
-                <a:spcPts val="0"/>
-              </a:spcBef>
-              <a:spcAft>
-                <a:spcPts val="0"/>
-              </a:spcAft>
-              <a:buClrTx/>
-              <a:buSzTx/>
-              <a:buFontTx/>
-              <a:buNone/>
-              <a:tabLst/>
-              <a:defRPr/>
-            </a:pPr>
-            <a:fld id="{B4008EB6-D09E-4580-8CD6-DDB14511944F}" type="slidenum">
-              <a:rPr kumimoji="0" lang="en-US" sz="1200" b="0" i="0" u="none" strike="noStrike" kern="1200" cap="none" spc="0" normalizeH="0" baseline="0" noProof="0" smtClean="0">
-                <a:ln>
-                  <a:noFill/>
-                </a:ln>
-                <a:solidFill>
-                  <a:prstClr val="black"/>
-                </a:solidFill>
-                <a:effectLst/>
-                <a:uLnTx/>
-                <a:uFillTx/>
-                <a:latin typeface="Segoe UI" pitchFamily="34" charset="0"/>
-                <a:ea typeface="+mn-ea"/>
-                <a:cs typeface="+mn-cs"/>
-              </a:rPr>
-              <a:pPr marL="0" marR="0" lvl="0" indent="0" algn="r" defTabSz="932742" rtl="0" eaLnBrk="1" fontAlgn="auto" latinLnBrk="0" hangingPunct="1">
-                <a:lnSpc>
-                  <a:spcPct val="100000"/>
-                </a:lnSpc>
-                <a:spcBef>
-                  <a:spcPts val="0"/>
-                </a:spcBef>
-                <a:spcAft>
-                  <a:spcPts val="0"/>
-                </a:spcAft>
-                <a:buClrTx/>
-                <a:buSzTx/>
-                <a:buFontTx/>
-                <a:buNone/>
-                <a:tabLst/>
-                <a:defRPr/>
-              </a:pPr>
+            <a:fld id="{A5A8432B-5E68-416F-8060-77044B5A97EA}" type="slidenum">
+              <a:rPr lang="de-DE" smtClean="0"/>
               <a:t>20</a:t>
             </a:fld>
-            <a:endParaRPr kumimoji="0" lang="en-US" sz="1200" b="0" i="0" u="none" strike="noStrike" kern="1200" cap="none" spc="0" normalizeH="0" baseline="0" noProof="0">
-              <a:ln>
-                <a:noFill/>
-              </a:ln>
-              <a:solidFill>
-                <a:prstClr val="black"/>
-              </a:solidFill>
-              <a:effectLst/>
-              <a:uLnTx/>
-              <a:uFillTx/>
-              <a:latin typeface="Segoe UI" pitchFamily="34" charset="0"/>
-              <a:ea typeface="+mn-ea"/>
-              <a:cs typeface="+mn-cs"/>
-            </a:endParaRPr>
+            <a:endParaRPr lang="de-DE"/>
           </a:p>
         </p:txBody>
       </p:sp>
     </p:spTree>
     <p:extLst>
       <p:ext uri="{BB962C8B-B14F-4D97-AF65-F5344CB8AC3E}">
-        <p14:creationId xmlns:p14="http://schemas.microsoft.com/office/powerpoint/2010/main" val="3640182044"/>
+        <p14:creationId xmlns:p14="http://schemas.microsoft.com/office/powerpoint/2010/main" val="1105391242"/>
       </p:ext>
     </p:extLst>
   </p:cSld>
@@ -2894,7 +3005,7 @@
           <a:bodyPr/>
           <a:lstStyle/>
           <a:p>
-            <a:endParaRPr lang="de-DE" dirty="0"/>
+            <a:endParaRPr lang="en-US" noProof="0" dirty="0"/>
           </a:p>
         </p:txBody>
       </p:sp>
@@ -2924,7 +3035,7 @@
     </p:spTree>
     <p:extLst>
       <p:ext uri="{BB962C8B-B14F-4D97-AF65-F5344CB8AC3E}">
-        <p14:creationId xmlns:p14="http://schemas.microsoft.com/office/powerpoint/2010/main" val="1105391242"/>
+        <p14:creationId xmlns:p14="http://schemas.microsoft.com/office/powerpoint/2010/main" val="2533481856"/>
       </p:ext>
     </p:extLst>
   </p:cSld>
@@ -3008,7 +3119,7 @@
     </p:spTree>
     <p:extLst>
       <p:ext uri="{BB962C8B-B14F-4D97-AF65-F5344CB8AC3E}">
-        <p14:creationId xmlns:p14="http://schemas.microsoft.com/office/powerpoint/2010/main" val="2533481856"/>
+        <p14:creationId xmlns:p14="http://schemas.microsoft.com/office/powerpoint/2010/main" val="2527048215"/>
       </p:ext>
     </p:extLst>
   </p:cSld>
@@ -3062,7 +3173,7 @@
           <a:bodyPr/>
           <a:lstStyle/>
           <a:p>
-            <a:endParaRPr lang="en-US" noProof="0" dirty="0"/>
+            <a:endParaRPr lang="de-DE" dirty="0"/>
           </a:p>
         </p:txBody>
       </p:sp>
@@ -3092,7 +3203,7 @@
     </p:spTree>
     <p:extLst>
       <p:ext uri="{BB962C8B-B14F-4D97-AF65-F5344CB8AC3E}">
-        <p14:creationId xmlns:p14="http://schemas.microsoft.com/office/powerpoint/2010/main" val="2527048215"/>
+        <p14:creationId xmlns:p14="http://schemas.microsoft.com/office/powerpoint/2010/main" val="2975247871"/>
       </p:ext>
     </p:extLst>
   </p:cSld>
@@ -3146,7 +3257,15 @@
           <a:bodyPr/>
           <a:lstStyle/>
           <a:p>
-            <a:endParaRPr lang="de-DE" dirty="0"/>
+            <a:endParaRPr lang="en-US" sz="1200" kern="1200" dirty="0">
+              <a:solidFill>
+                <a:schemeClr val="tx1"/>
+              </a:solidFill>
+              <a:effectLst/>
+              <a:latin typeface="+mn-lt"/>
+              <a:ea typeface="+mn-ea"/>
+              <a:cs typeface="+mn-cs"/>
+            </a:endParaRPr>
           </a:p>
         </p:txBody>
       </p:sp>
@@ -3176,7 +3295,7 @@
     </p:spTree>
     <p:extLst>
       <p:ext uri="{BB962C8B-B14F-4D97-AF65-F5344CB8AC3E}">
-        <p14:creationId xmlns:p14="http://schemas.microsoft.com/office/powerpoint/2010/main" val="2975247871"/>
+        <p14:creationId xmlns:p14="http://schemas.microsoft.com/office/powerpoint/2010/main" val="2772886784"/>
       </p:ext>
     </p:extLst>
   </p:cSld>
@@ -3230,15 +3349,7 @@
           <a:bodyPr/>
           <a:lstStyle/>
           <a:p>
-            <a:endParaRPr lang="en-US" sz="1200" kern="1200" dirty="0">
-              <a:solidFill>
-                <a:schemeClr val="tx1"/>
-              </a:solidFill>
-              <a:effectLst/>
-              <a:latin typeface="+mn-lt"/>
-              <a:ea typeface="+mn-ea"/>
-              <a:cs typeface="+mn-cs"/>
-            </a:endParaRPr>
+            <a:endParaRPr lang="en-US" dirty="0"/>
           </a:p>
         </p:txBody>
       </p:sp>
@@ -3257,93 +3368,9 @@
           <a:bodyPr/>
           <a:lstStyle/>
           <a:p>
-            <a:fld id="{A5A8432B-5E68-416F-8060-77044B5A97EA}" type="slidenum">
-              <a:rPr lang="de-DE" smtClean="0"/>
-              <a:t>25</a:t>
-            </a:fld>
-            <a:endParaRPr lang="de-DE"/>
-          </a:p>
-        </p:txBody>
-      </p:sp>
-    </p:spTree>
-    <p:extLst>
-      <p:ext uri="{BB962C8B-B14F-4D97-AF65-F5344CB8AC3E}">
-        <p14:creationId xmlns:p14="http://schemas.microsoft.com/office/powerpoint/2010/main" val="2772886784"/>
-      </p:ext>
-    </p:extLst>
-  </p:cSld>
-  <p:clrMapOvr>
-    <a:masterClrMapping/>
-  </p:clrMapOvr>
-</p:notes>
-</file>
-
-<file path=ppt/notesSlides/notesSlide26.xml><?xml version="1.0" encoding="utf-8"?>
-<p:notes xmlns:a="http://schemas.openxmlformats.org/drawingml/2006/main" xmlns:r="http://schemas.openxmlformats.org/officeDocument/2006/relationships" xmlns:p="http://schemas.openxmlformats.org/presentationml/2006/main">
-  <p:cSld>
-    <p:spTree>
-      <p:nvGrpSpPr>
-        <p:cNvPr id="1" name=""/>
-        <p:cNvGrpSpPr/>
-        <p:nvPr/>
-      </p:nvGrpSpPr>
-      <p:grpSpPr>
-        <a:xfrm>
-          <a:off x="0" y="0"/>
-          <a:ext cx="0" cy="0"/>
-          <a:chOff x="0" y="0"/>
-          <a:chExt cx="0" cy="0"/>
-        </a:xfrm>
-      </p:grpSpPr>
-      <p:sp>
-        <p:nvSpPr>
-          <p:cNvPr id="2" name="Slide Image Placeholder 1"/>
-          <p:cNvSpPr>
-            <a:spLocks noGrp="1" noRot="1" noChangeAspect="1"/>
-          </p:cNvSpPr>
-          <p:nvPr>
-            <p:ph type="sldImg"/>
-          </p:nvPr>
-        </p:nvSpPr>
-        <p:spPr/>
-      </p:sp>
-      <p:sp>
-        <p:nvSpPr>
-          <p:cNvPr id="3" name="Notes Placeholder 2"/>
-          <p:cNvSpPr>
-            <a:spLocks noGrp="1"/>
-          </p:cNvSpPr>
-          <p:nvPr>
-            <p:ph type="body" idx="1"/>
-          </p:nvPr>
-        </p:nvSpPr>
-        <p:spPr/>
-        <p:txBody>
-          <a:bodyPr/>
-          <a:lstStyle/>
-          <a:p>
-            <a:endParaRPr lang="en-US" dirty="0"/>
-          </a:p>
-        </p:txBody>
-      </p:sp>
-      <p:sp>
-        <p:nvSpPr>
-          <p:cNvPr id="4" name="Slide Number Placeholder 3"/>
-          <p:cNvSpPr>
-            <a:spLocks noGrp="1"/>
-          </p:cNvSpPr>
-          <p:nvPr>
-            <p:ph type="sldNum" sz="quarter" idx="10"/>
-          </p:nvPr>
-        </p:nvSpPr>
-        <p:spPr/>
-        <p:txBody>
-          <a:bodyPr/>
-          <a:lstStyle/>
-          <a:p>
             <a:fld id="{FDBB58A2-FF4E-44E1-BF34-A9BBAA85F67C}" type="slidenum">
               <a:rPr lang="en-US" smtClean="0"/>
-              <a:t>26</a:t>
+              <a:t>25</a:t>
             </a:fld>
             <a:endParaRPr lang="en-US"/>
           </a:p>
@@ -3362,7 +3389,7 @@
 </p:notes>
 </file>
 
-<file path=ppt/notesSlides/notesSlide27.xml><?xml version="1.0" encoding="utf-8"?>
+<file path=ppt/notesSlides/notesSlide26.xml><?xml version="1.0" encoding="utf-8"?>
 <p:notes xmlns:a="http://schemas.openxmlformats.org/drawingml/2006/main" xmlns:r="http://schemas.openxmlformats.org/officeDocument/2006/relationships" xmlns:p="http://schemas.openxmlformats.org/presentationml/2006/main">
   <p:cSld>
     <p:spTree>
@@ -3605,7 +3632,7 @@
                 <a:tabLst/>
                 <a:defRPr/>
               </a:pPr>
-              <a:t>3/5/2020 1:41 PM</a:t>
+              <a:t>5/31/2021 4:23 PM</a:t>
             </a:fld>
             <a:endParaRPr kumimoji="0" lang="en-US" sz="1200" b="0" i="0" u="none" strike="noStrike" kern="1200" cap="none" spc="0" normalizeH="0" baseline="0" noProof="0" dirty="0">
               <a:ln>
@@ -3688,7 +3715,7 @@
                 <a:tabLst/>
                 <a:defRPr/>
               </a:pPr>
-              <a:t>27</a:t>
+              <a:t>26</a:t>
             </a:fld>
             <a:endParaRPr kumimoji="0" lang="en-US" sz="1200" b="0" i="0" u="none" strike="noStrike" kern="1200" cap="none" spc="0" normalizeH="0" baseline="0" noProof="0" dirty="0">
               <a:ln>
@@ -3720,7 +3747,7 @@
 </p:notes>
 </file>
 
-<file path=ppt/notesSlides/notesSlide28.xml><?xml version="1.0" encoding="utf-8"?>
+<file path=ppt/notesSlides/notesSlide27.xml><?xml version="1.0" encoding="utf-8"?>
 <p:notes xmlns:a="http://schemas.openxmlformats.org/drawingml/2006/main" xmlns:r="http://schemas.openxmlformats.org/officeDocument/2006/relationships" xmlns:p="http://schemas.openxmlformats.org/presentationml/2006/main">
   <p:cSld>
     <p:spTree>
@@ -3793,7 +3820,7 @@
           <a:p>
             <a:fld id="{A5A8432B-5E68-416F-8060-77044B5A97EA}" type="slidenum">
               <a:rPr lang="de-DE" smtClean="0"/>
-              <a:t>28</a:t>
+              <a:t>27</a:t>
             </a:fld>
             <a:endParaRPr lang="de-DE"/>
           </a:p>
@@ -3812,7 +3839,7 @@
 </p:notes>
 </file>
 
-<file path=ppt/notesSlides/notesSlide29.xml><?xml version="1.0" encoding="utf-8"?>
+<file path=ppt/notesSlides/notesSlide28.xml><?xml version="1.0" encoding="utf-8"?>
 <p:notes xmlns:a="http://schemas.openxmlformats.org/drawingml/2006/main" xmlns:r="http://schemas.openxmlformats.org/officeDocument/2006/relationships" xmlns:p="http://schemas.openxmlformats.org/presentationml/2006/main">
   <p:cSld>
     <p:spTree>
@@ -4055,7 +4082,7 @@
                 <a:tabLst/>
                 <a:defRPr/>
               </a:pPr>
-              <a:t>3/5/2020 1:41 PM</a:t>
+              <a:t>5/31/2021 4:23 PM</a:t>
             </a:fld>
             <a:endParaRPr kumimoji="0" lang="en-US" sz="1200" b="0" i="0" u="none" strike="noStrike" kern="1200" cap="none" spc="0" normalizeH="0" baseline="0" noProof="0" dirty="0">
               <a:ln>
@@ -4138,7 +4165,7 @@
                 <a:tabLst/>
                 <a:defRPr/>
               </a:pPr>
-              <a:t>29</a:t>
+              <a:t>28</a:t>
             </a:fld>
             <a:endParaRPr kumimoji="0" lang="en-US" sz="1200" b="0" i="0" u="none" strike="noStrike" kern="1200" cap="none" spc="0" normalizeH="0" baseline="0" noProof="0" dirty="0">
               <a:ln>
@@ -4170,91 +4197,7 @@
 </p:notes>
 </file>
 
-<file path=ppt/notesSlides/notesSlide3.xml><?xml version="1.0" encoding="utf-8"?>
-<p:notes xmlns:a="http://schemas.openxmlformats.org/drawingml/2006/main" xmlns:r="http://schemas.openxmlformats.org/officeDocument/2006/relationships" xmlns:p="http://schemas.openxmlformats.org/presentationml/2006/main">
-  <p:cSld>
-    <p:spTree>
-      <p:nvGrpSpPr>
-        <p:cNvPr id="1" name=""/>
-        <p:cNvGrpSpPr/>
-        <p:nvPr/>
-      </p:nvGrpSpPr>
-      <p:grpSpPr>
-        <a:xfrm>
-          <a:off x="0" y="0"/>
-          <a:ext cx="0" cy="0"/>
-          <a:chOff x="0" y="0"/>
-          <a:chExt cx="0" cy="0"/>
-        </a:xfrm>
-      </p:grpSpPr>
-      <p:sp>
-        <p:nvSpPr>
-          <p:cNvPr id="2" name="Slide Image Placeholder 1"/>
-          <p:cNvSpPr>
-            <a:spLocks noGrp="1" noRot="1" noChangeAspect="1"/>
-          </p:cNvSpPr>
-          <p:nvPr>
-            <p:ph type="sldImg"/>
-          </p:nvPr>
-        </p:nvSpPr>
-        <p:spPr/>
-      </p:sp>
-      <p:sp>
-        <p:nvSpPr>
-          <p:cNvPr id="3" name="Notes Placeholder 2"/>
-          <p:cNvSpPr>
-            <a:spLocks noGrp="1"/>
-          </p:cNvSpPr>
-          <p:nvPr>
-            <p:ph type="body" idx="1"/>
-          </p:nvPr>
-        </p:nvSpPr>
-        <p:spPr/>
-        <p:txBody>
-          <a:bodyPr/>
-          <a:lstStyle/>
-          <a:p>
-            <a:endParaRPr lang="en-US" dirty="0"/>
-          </a:p>
-        </p:txBody>
-      </p:sp>
-      <p:sp>
-        <p:nvSpPr>
-          <p:cNvPr id="4" name="Slide Number Placeholder 3"/>
-          <p:cNvSpPr>
-            <a:spLocks noGrp="1"/>
-          </p:cNvSpPr>
-          <p:nvPr>
-            <p:ph type="sldNum" sz="quarter" idx="10"/>
-          </p:nvPr>
-        </p:nvSpPr>
-        <p:spPr/>
-        <p:txBody>
-          <a:bodyPr/>
-          <a:lstStyle/>
-          <a:p>
-            <a:fld id="{A5A8432B-5E68-416F-8060-77044B5A97EA}" type="slidenum">
-              <a:rPr lang="de-DE" smtClean="0"/>
-              <a:t>3</a:t>
-            </a:fld>
-            <a:endParaRPr lang="de-DE"/>
-          </a:p>
-        </p:txBody>
-      </p:sp>
-    </p:spTree>
-    <p:extLst>
-      <p:ext uri="{BB962C8B-B14F-4D97-AF65-F5344CB8AC3E}">
-        <p14:creationId xmlns:p14="http://schemas.microsoft.com/office/powerpoint/2010/main" val="1476484816"/>
-      </p:ext>
-    </p:extLst>
-  </p:cSld>
-  <p:clrMapOvr>
-    <a:masterClrMapping/>
-  </p:clrMapOvr>
-</p:notes>
-</file>
-
-<file path=ppt/notesSlides/notesSlide30.xml><?xml version="1.0" encoding="utf-8"?>
+<file path=ppt/notesSlides/notesSlide29.xml><?xml version="1.0" encoding="utf-8"?>
 <p:notes xmlns:a="http://schemas.openxmlformats.org/drawingml/2006/main" xmlns:r="http://schemas.openxmlformats.org/officeDocument/2006/relationships" xmlns:p="http://schemas.openxmlformats.org/presentationml/2006/main">
   <p:cSld>
     <p:spTree>
@@ -4430,7 +4373,7 @@
                 <a:tabLst/>
                 <a:defRPr/>
               </a:pPr>
-              <a:t>3/5/2020 1:41 PM</a:t>
+              <a:t>5/31/2021 4:23 PM</a:t>
             </a:fld>
             <a:endParaRPr kumimoji="0" lang="en-US" sz="1200" b="0" i="0" u="none" strike="noStrike" kern="1200" cap="none" spc="0" normalizeH="0" baseline="0" noProof="0" dirty="0">
               <a:ln>
@@ -4513,7 +4456,7 @@
                 <a:tabLst/>
                 <a:defRPr/>
               </a:pPr>
-              <a:t>30</a:t>
+              <a:t>29</a:t>
             </a:fld>
             <a:endParaRPr kumimoji="0" lang="en-US" sz="1200" b="0" i="0" u="none" strike="noStrike" kern="1200" cap="none" spc="0" normalizeH="0" baseline="0" noProof="0" dirty="0">
               <a:ln>
@@ -4618,6 +4561,90 @@
     <p:extLst>
       <p:ext uri="{BB962C8B-B14F-4D97-AF65-F5344CB8AC3E}">
         <p14:creationId xmlns:p14="http://schemas.microsoft.com/office/powerpoint/2010/main" val="1101482045"/>
+      </p:ext>
+    </p:extLst>
+  </p:cSld>
+  <p:clrMapOvr>
+    <a:masterClrMapping/>
+  </p:clrMapOvr>
+</p:notes>
+</file>
+
+<file path=ppt/notesSlides/notesSlide3.xml><?xml version="1.0" encoding="utf-8"?>
+<p:notes xmlns:a="http://schemas.openxmlformats.org/drawingml/2006/main" xmlns:r="http://schemas.openxmlformats.org/officeDocument/2006/relationships" xmlns:p="http://schemas.openxmlformats.org/presentationml/2006/main">
+  <p:cSld>
+    <p:spTree>
+      <p:nvGrpSpPr>
+        <p:cNvPr id="1" name=""/>
+        <p:cNvGrpSpPr/>
+        <p:nvPr/>
+      </p:nvGrpSpPr>
+      <p:grpSpPr>
+        <a:xfrm>
+          <a:off x="0" y="0"/>
+          <a:ext cx="0" cy="0"/>
+          <a:chOff x="0" y="0"/>
+          <a:chExt cx="0" cy="0"/>
+        </a:xfrm>
+      </p:grpSpPr>
+      <p:sp>
+        <p:nvSpPr>
+          <p:cNvPr id="2" name="Slide Image Placeholder 1"/>
+          <p:cNvSpPr>
+            <a:spLocks noGrp="1" noRot="1" noChangeAspect="1"/>
+          </p:cNvSpPr>
+          <p:nvPr>
+            <p:ph type="sldImg"/>
+          </p:nvPr>
+        </p:nvSpPr>
+        <p:spPr/>
+      </p:sp>
+      <p:sp>
+        <p:nvSpPr>
+          <p:cNvPr id="3" name="Notes Placeholder 2"/>
+          <p:cNvSpPr>
+            <a:spLocks noGrp="1"/>
+          </p:cNvSpPr>
+          <p:nvPr>
+            <p:ph type="body" idx="1"/>
+          </p:nvPr>
+        </p:nvSpPr>
+        <p:spPr/>
+        <p:txBody>
+          <a:bodyPr/>
+          <a:lstStyle/>
+          <a:p>
+            <a:endParaRPr lang="en-US" dirty="0"/>
+          </a:p>
+        </p:txBody>
+      </p:sp>
+      <p:sp>
+        <p:nvSpPr>
+          <p:cNvPr id="4" name="Slide Number Placeholder 3"/>
+          <p:cNvSpPr>
+            <a:spLocks noGrp="1"/>
+          </p:cNvSpPr>
+          <p:nvPr>
+            <p:ph type="sldNum" sz="quarter" idx="10"/>
+          </p:nvPr>
+        </p:nvSpPr>
+        <p:spPr/>
+        <p:txBody>
+          <a:bodyPr/>
+          <a:lstStyle/>
+          <a:p>
+            <a:fld id="{A5A8432B-5E68-416F-8060-77044B5A97EA}" type="slidenum">
+              <a:rPr lang="de-DE" smtClean="0"/>
+              <a:t>3</a:t>
+            </a:fld>
+            <a:endParaRPr lang="de-DE"/>
+          </a:p>
+        </p:txBody>
+      </p:sp>
+    </p:spTree>
+    <p:extLst>
+      <p:ext uri="{BB962C8B-B14F-4D97-AF65-F5344CB8AC3E}">
+        <p14:creationId xmlns:p14="http://schemas.microsoft.com/office/powerpoint/2010/main" val="1476484816"/>
       </p:ext>
     </p:extLst>
   </p:cSld>
@@ -5325,7 +5352,7 @@
           <a:p>
             <a:fld id="{D18B56EA-E28F-4F92-9F16-7A6F2501B303}" type="datetime8">
               <a:rPr lang="en-US" smtClean="0"/>
-              <a:t>3/5/2020 1:39 PM</a:t>
+              <a:t>5/31/2021 4:23 PM</a:t>
             </a:fld>
             <a:endParaRPr lang="en-US"/>
           </a:p>
@@ -18750,14 +18777,16 @@
         <p:spPr>
           <a:xfrm>
             <a:off x="269239" y="1189177"/>
-            <a:ext cx="11653523" cy="2209836"/>
+            <a:ext cx="11653523" cy="2414507"/>
           </a:xfrm>
         </p:spPr>
         <p:txBody>
-          <a:bodyPr/>
+          <a:bodyPr vert="horz" wrap="square" lIns="146304" tIns="91440" rIns="146304" bIns="91440" rtlCol="0" anchor="t">
+            <a:spAutoFit/>
+          </a:bodyPr>
           <a:lstStyle/>
           <a:p>
-            <a:pPr defTabSz="909890"/>
+            <a:pPr marL="335915" indent="-335915" defTabSz="909890"/>
             <a:r>
               <a:rPr lang="en-US" sz="2800" dirty="0">
                 <a:solidFill>
@@ -18771,25 +18800,41 @@
                 <a:solidFill>
                   <a:schemeClr val="bg2"/>
                 </a:solidFill>
-                <a:hlinkClick r:id="rId3"/>
+                <a:ea typeface="+mj-lt"/>
+                <a:cs typeface="+mj-lt"/>
+                <a:hlinkClick r:id="rId3">
+                  <a:extLst>
+                    <a:ext uri="{A12FA001-AC4F-418D-AE19-62706E023703}">
+                      <ahyp:hlinkClr xmlns:ahyp="http://schemas.microsoft.com/office/drawing/2018/hyperlinkcolor" val="tx"/>
+                    </a:ext>
+                  </a:extLst>
+                </a:hlinkClick>
               </a:rPr>
-              <a:t>https://gallery.technet.microsoft.com/Azure-Stack-Capacity-24ccd822</a:t>
+              <a:t>https://aka.ms/azstackcapacityplanner</a:t>
             </a:r>
             <a:r>
               <a:rPr lang="en-US" sz="2800" dirty="0">
-                <a:solidFill>
-                  <a:schemeClr val="bg2"/>
-                </a:solidFill>
+                <a:ea typeface="+mj-lt"/>
+                <a:cs typeface="+mj-lt"/>
               </a:rPr>
-              <a:t> </a:t>
+              <a:t>.</a:t>
             </a:r>
-          </a:p>
-          <a:p>
-            <a:pPr defTabSz="909890"/>
+            <a:endParaRPr lang="en-US">
+              <a:ea typeface="+mj-lt"/>
+              <a:cs typeface="+mj-lt"/>
+            </a:endParaRPr>
+          </a:p>
+          <a:p>
+            <a:pPr marL="335915" indent="-335915" defTabSz="909890"/>
+            <a:endParaRPr lang="en-US" sz="3500" dirty="0"/>
+          </a:p>
+          <a:p>
+            <a:pPr marL="335915" indent="-335915" defTabSz="909890"/>
             <a:endParaRPr lang="en-US" sz="2800" dirty="0">
               <a:solidFill>
                 <a:schemeClr val="bg1"/>
               </a:solidFill>
+              <a:cs typeface="Segoe UI Light"/>
             </a:endParaRPr>
           </a:p>
         </p:txBody>
@@ -18968,7 +19013,7 @@
         </p:nvSpPr>
         <p:spPr>
           <a:xfrm>
-            <a:off x="358476" y="2145939"/>
+            <a:off x="588514" y="2131562"/>
             <a:ext cx="2750166" cy="485938"/>
           </a:xfrm>
           <a:prstGeom prst="parallelogram">
@@ -19000,21 +19045,24 @@
           </a:fontRef>
         </p:style>
         <p:txBody>
-          <a:bodyPr rtlCol="0" anchor="ctr"/>
+          <a:bodyPr lIns="91440" tIns="45720" rIns="91440" bIns="45720" rtlCol="0" anchor="ctr"/>
           <a:lstStyle/>
           <a:p>
             <a:pPr algn="ctr" defTabSz="914225">
               <a:defRPr/>
             </a:pPr>
             <a:r>
-              <a:rPr lang="en-US" sz="2800" kern="0">
-                <a:solidFill>
-                  <a:prstClr val="black"/>
-                </a:solidFill>
+              <a:rPr lang="en-US" sz="2800" kern="0" dirty="0">
                 <a:latin typeface="Segoe UI Light"/>
               </a:rPr>
-              <a:t>Storage</a:t>
+              <a:t>Private</a:t>
             </a:r>
+            <a:endParaRPr lang="en-US" sz="2800" kern="0" dirty="0">
+              <a:solidFill>
+                <a:prstClr val="black"/>
+              </a:solidFill>
+              <a:latin typeface="Segoe UI Light"/>
+            </a:endParaRPr>
           </a:p>
         </p:txBody>
       </p:sp>
@@ -19026,7 +19074,7 @@
         </p:nvSpPr>
         <p:spPr>
           <a:xfrm>
-            <a:off x="358476" y="3020816"/>
+            <a:off x="574137" y="1238024"/>
             <a:ext cx="2750166" cy="485937"/>
           </a:xfrm>
           <a:prstGeom prst="parallelogram">
@@ -19084,7 +19132,7 @@
         </p:nvSpPr>
         <p:spPr>
           <a:xfrm>
-            <a:off x="358475" y="1260549"/>
+            <a:off x="574135" y="3086474"/>
             <a:ext cx="2755073" cy="487525"/>
           </a:xfrm>
           <a:prstGeom prst="parallelogram">
@@ -19142,7 +19190,7 @@
         </p:nvSpPr>
         <p:spPr>
           <a:xfrm>
-            <a:off x="358476" y="3901265"/>
+            <a:off x="502249" y="4045038"/>
             <a:ext cx="2750166" cy="485937"/>
           </a:xfrm>
           <a:prstGeom prst="parallelogram">
@@ -19201,7 +19249,7 @@
               </a:rPr>
               <a:t>Mgmt</a:t>
             </a:r>
-            <a:endParaRPr lang="en-US" sz="2800" kern="0">
+            <a:endParaRPr lang="en-US" sz="2800" kern="0" dirty="0">
               <a:solidFill>
                 <a:prstClr val="black"/>
               </a:solidFill>
@@ -19218,7 +19266,7 @@
         </p:nvSpPr>
         <p:spPr>
           <a:xfrm>
-            <a:off x="358476" y="4781713"/>
+            <a:off x="502250" y="5026128"/>
             <a:ext cx="2750166" cy="487525"/>
           </a:xfrm>
           <a:prstGeom prst="parallelogram">
@@ -19269,68 +19317,12 @@
               </a:rPr>
               <a:t>Public VIP</a:t>
             </a:r>
-          </a:p>
-        </p:txBody>
-      </p:sp>
-      <p:sp>
-        <p:nvSpPr>
-          <p:cNvPr id="77" name="Parallelogram 76"/>
-          <p:cNvSpPr/>
-          <p:nvPr/>
-        </p:nvSpPr>
-        <p:spPr>
-          <a:xfrm>
-            <a:off x="358476" y="5656590"/>
-            <a:ext cx="2750166" cy="487525"/>
-          </a:xfrm>
-          <a:prstGeom prst="parallelogram">
-            <a:avLst/>
-          </a:prstGeom>
-          <a:solidFill>
-            <a:schemeClr val="accent2">
-              <a:lumMod val="20000"/>
-              <a:lumOff val="80000"/>
-            </a:schemeClr>
-          </a:solidFill>
-          <a:ln>
-            <a:solidFill>
-              <a:schemeClr val="tx1"/>
-            </a:solidFill>
-            <a:prstDash val="dash"/>
-          </a:ln>
-        </p:spPr>
-        <p:style>
-          <a:lnRef idx="2">
-            <a:schemeClr val="accent1">
-              <a:shade val="50000"/>
-            </a:schemeClr>
-          </a:lnRef>
-          <a:fillRef idx="1">
-            <a:schemeClr val="accent1"/>
-          </a:fillRef>
-          <a:effectRef idx="0">
-            <a:schemeClr val="accent1"/>
-          </a:effectRef>
-          <a:fontRef idx="minor">
-            <a:schemeClr val="lt1"/>
-          </a:fontRef>
-        </p:style>
-        <p:txBody>
-          <a:bodyPr rtlCol="0" anchor="ctr"/>
-          <a:lstStyle/>
-          <a:p>
-            <a:pPr algn="ctr" defTabSz="914225">
-              <a:defRPr/>
-            </a:pPr>
-            <a:r>
-              <a:rPr lang="en-US" sz="2800" kern="0">
-                <a:solidFill>
-                  <a:prstClr val="black"/>
-                </a:solidFill>
-                <a:latin typeface="Segoe UI Light"/>
-              </a:rPr>
-              <a:t>Private VIP</a:t>
-            </a:r>
+            <a:endParaRPr lang="en-US" sz="2800" kern="0" dirty="0" err="1">
+              <a:solidFill>
+                <a:prstClr val="black"/>
+              </a:solidFill>
+              <a:latin typeface="Segoe UI Light"/>
+            </a:endParaRPr>
           </a:p>
         </p:txBody>
       </p:sp>
@@ -19351,7 +19343,7 @@
           <a:noFill/>
         </p:spPr>
         <p:txBody>
-          <a:bodyPr wrap="none" rtlCol="0">
+          <a:bodyPr wrap="none" lIns="91440" tIns="45720" rIns="91440" bIns="45720" rtlCol="0" anchor="t">
             <a:spAutoFit/>
           </a:bodyPr>
           <a:lstStyle/>
@@ -19360,53 +19352,19 @@
               <a:defRPr/>
             </a:pPr>
             <a:r>
-              <a:rPr lang="en-US" sz="2745" b="1" kern="0">
-                <a:solidFill>
-                  <a:sysClr val="windowText" lastClr="000000"/>
-                </a:solidFill>
-                <a:latin typeface="Segoe UI" panose="020B0502040204020203" pitchFamily="34" charset="0"/>
-                <a:cs typeface="Segoe UI" panose="020B0502040204020203" pitchFamily="34" charset="0"/>
+              <a:rPr lang="en-US" sz="2700" b="1" kern="0" dirty="0">
+                <a:latin typeface="Segoe UI"/>
+                <a:cs typeface="Segoe UI"/>
               </a:rPr>
-              <a:t>/24</a:t>
+              <a:t>/26</a:t>
             </a:r>
-          </a:p>
-        </p:txBody>
-      </p:sp>
-      <p:sp>
-        <p:nvSpPr>
-          <p:cNvPr id="106" name="TextBox 105"/>
-          <p:cNvSpPr txBox="1"/>
-          <p:nvPr/>
-        </p:nvSpPr>
-        <p:spPr>
-          <a:xfrm>
-            <a:off x="4257647" y="5608004"/>
-            <a:ext cx="744114" cy="514756"/>
-          </a:xfrm>
-          <a:prstGeom prst="rect">
-            <a:avLst/>
-          </a:prstGeom>
-          <a:noFill/>
-        </p:spPr>
-        <p:txBody>
-          <a:bodyPr wrap="none" rtlCol="0">
-            <a:spAutoFit/>
-          </a:bodyPr>
-          <a:lstStyle/>
-          <a:p>
-            <a:pPr defTabSz="914225">
-              <a:defRPr/>
-            </a:pPr>
-            <a:r>
-              <a:rPr lang="en-US" sz="2745" b="1" kern="0" dirty="0">
-                <a:solidFill>
-                  <a:sysClr val="windowText" lastClr="000000"/>
-                </a:solidFill>
-                <a:latin typeface="Segoe UI" panose="020B0502040204020203" pitchFamily="34" charset="0"/>
-                <a:cs typeface="Segoe UI" panose="020B0502040204020203" pitchFamily="34" charset="0"/>
-              </a:rPr>
-              <a:t>/25</a:t>
-            </a:r>
+            <a:endParaRPr lang="en-US" sz="2745" b="1" kern="0" dirty="0">
+              <a:solidFill>
+                <a:sysClr val="windowText" lastClr="000000"/>
+              </a:solidFill>
+              <a:latin typeface="Segoe UI" panose="020B0502040204020203" pitchFamily="34" charset="0"/>
+              <a:cs typeface="Segoe UI" panose="020B0502040204020203" pitchFamily="34" charset="0"/>
+            </a:endParaRPr>
           </a:p>
         </p:txBody>
       </p:sp>
@@ -19427,7 +19385,7 @@
           <a:noFill/>
         </p:spPr>
         <p:txBody>
-          <a:bodyPr wrap="none" rtlCol="0">
+          <a:bodyPr wrap="none" lIns="91440" tIns="45720" rIns="91440" bIns="45720" rtlCol="0" anchor="t">
             <a:spAutoFit/>
           </a:bodyPr>
           <a:lstStyle/>
@@ -19436,15 +19394,19 @@
               <a:defRPr/>
             </a:pPr>
             <a:r>
-              <a:rPr lang="en-US" sz="2745" b="1" kern="0" dirty="0">
-                <a:solidFill>
-                  <a:sysClr val="windowText" lastClr="000000"/>
-                </a:solidFill>
-                <a:latin typeface="Segoe UI" panose="020B0502040204020203" pitchFamily="34" charset="0"/>
-                <a:cs typeface="Segoe UI" panose="020B0502040204020203" pitchFamily="34" charset="0"/>
+              <a:rPr lang="en-US" sz="2700" b="1" kern="0" dirty="0">
+                <a:latin typeface="Segoe UI"/>
+                <a:cs typeface="Segoe UI"/>
               </a:rPr>
-              <a:t>/25</a:t>
+              <a:t>/20</a:t>
             </a:r>
+            <a:endParaRPr lang="en-US" sz="2745" b="1" kern="0" dirty="0">
+              <a:solidFill>
+                <a:sysClr val="windowText" lastClr="000000"/>
+              </a:solidFill>
+              <a:latin typeface="Segoe UI" panose="020B0502040204020203" pitchFamily="34" charset="0"/>
+              <a:cs typeface="Segoe UI" panose="020B0502040204020203" pitchFamily="34" charset="0"/>
+            </a:endParaRPr>
           </a:p>
         </p:txBody>
       </p:sp>
@@ -19456,7 +19418,7 @@
         </p:nvSpPr>
         <p:spPr>
           <a:xfrm>
-            <a:off x="4257647" y="4684545"/>
+            <a:off x="4257647" y="4885828"/>
             <a:ext cx="1641796" cy="514756"/>
           </a:xfrm>
           <a:prstGeom prst="rect">
@@ -19503,7 +19465,7 @@
           <a:noFill/>
         </p:spPr>
         <p:txBody>
-          <a:bodyPr wrap="none" rtlCol="0">
+          <a:bodyPr wrap="none" lIns="91440" tIns="45720" rIns="91440" bIns="45720" rtlCol="0" anchor="t">
             <a:spAutoFit/>
           </a:bodyPr>
           <a:lstStyle/>
@@ -19512,15 +19474,19 @@
               <a:defRPr/>
             </a:pPr>
             <a:r>
-              <a:rPr lang="en-US" sz="2745" b="1" kern="0" dirty="0">
-                <a:solidFill>
-                  <a:sysClr val="windowText" lastClr="000000"/>
-                </a:solidFill>
-                <a:latin typeface="Segoe UI" panose="020B0502040204020203" pitchFamily="34" charset="0"/>
-                <a:cs typeface="Segoe UI" panose="020B0502040204020203" pitchFamily="34" charset="0"/>
+              <a:rPr lang="en-US" sz="2700" b="1" kern="0" dirty="0">
+                <a:latin typeface="Segoe UI"/>
+                <a:cs typeface="Segoe UI"/>
               </a:rPr>
-              <a:t>/26</a:t>
+              <a:t>/24</a:t>
             </a:r>
+            <a:endParaRPr lang="en-US" sz="2745" b="1" kern="0" dirty="0">
+              <a:solidFill>
+                <a:sysClr val="windowText" lastClr="000000"/>
+              </a:solidFill>
+              <a:latin typeface="Segoe UI" panose="020B0502040204020203" pitchFamily="34" charset="0"/>
+              <a:cs typeface="Segoe UI" panose="020B0502040204020203" pitchFamily="34" charset="0"/>
+            </a:endParaRPr>
           </a:p>
         </p:txBody>
       </p:sp>
@@ -19644,7 +19610,7 @@
         </p:nvSpPr>
         <p:spPr>
           <a:xfrm>
-            <a:off x="6642163" y="4822371"/>
+            <a:off x="6642163" y="5023654"/>
             <a:ext cx="3252814" cy="363946"/>
           </a:xfrm>
           <a:prstGeom prst="rect">
@@ -19676,14 +19642,20 @@
       </p:sp>
       <p:sp>
         <p:nvSpPr>
-          <p:cNvPr id="123" name="TextBox 122"/>
+          <p:cNvPr id="19" name="TextBox 18">
+            <a:extLst>
+              <a:ext uri="{FF2B5EF4-FFF2-40B4-BE49-F238E27FC236}">
+                <a16:creationId xmlns:a16="http://schemas.microsoft.com/office/drawing/2014/main" id="{FCCB5C75-4021-4ACB-B65C-EE981A342ADD}"/>
+              </a:ext>
+            </a:extLst>
+          </p:cNvPr>
           <p:cNvSpPr txBox="1"/>
           <p:nvPr/>
         </p:nvSpPr>
         <p:spPr>
           <a:xfrm>
-            <a:off x="6642163" y="5718707"/>
-            <a:ext cx="3252814" cy="363946"/>
+            <a:off x="6642162" y="2148182"/>
+            <a:ext cx="5073441" cy="929000"/>
           </a:xfrm>
           <a:prstGeom prst="rect">
             <a:avLst/>
@@ -19691,7 +19663,7 @@
           <a:noFill/>
         </p:spPr>
         <p:txBody>
-          <a:bodyPr wrap="none" rtlCol="0">
+          <a:bodyPr wrap="square" lIns="91440" tIns="45720" rIns="91440" bIns="45720" rtlCol="0" anchor="t">
             <a:spAutoFit/>
           </a:bodyPr>
           <a:lstStyle/>
@@ -19700,15 +19672,28 @@
               <a:defRPr/>
             </a:pPr>
             <a:r>
-              <a:rPr lang="en-US" sz="1765" b="1" kern="0">
-                <a:solidFill>
-                  <a:sysClr val="windowText" lastClr="000000"/>
-                </a:solidFill>
-                <a:latin typeface="Segoe UI" panose="020B0502040204020203" pitchFamily="34" charset="0"/>
-                <a:cs typeface="Segoe UI" panose="020B0502040204020203" pitchFamily="34" charset="0"/>
+              <a:rPr lang="en-US" sz="1750" b="1" kern="0" dirty="0">
+                <a:latin typeface="Segoe UI"/>
+                <a:cs typeface="Segoe UI"/>
               </a:rPr>
-              <a:t>Advertised as individual /32s</a:t>
+              <a:t>This network does not route beyond the </a:t>
             </a:r>
+            <a:endParaRPr lang="en-US"/>
+          </a:p>
+          <a:p>
+            <a:pPr defTabSz="932418">
+              <a:defRPr/>
+            </a:pPr>
+            <a:r>
+              <a:rPr lang="en-US" sz="1750" b="1" kern="0" dirty="0">
+                <a:latin typeface="Segoe UI"/>
+                <a:cs typeface="Segoe UI"/>
+              </a:rPr>
+              <a:t>border devices.  Must not overlap with other networks in the DC. </a:t>
+            </a:r>
+            <a:endParaRPr lang="en-US" sz="1750" b="1" kern="0" dirty="0">
+              <a:cs typeface="Segoe UI"/>
+            </a:endParaRPr>
           </a:p>
         </p:txBody>
       </p:sp>
@@ -19729,187 +19714,6 @@
 </file>
 
 <file path=ppt/slides/slide16.xml><?xml version="1.0" encoding="utf-8"?>
-<p:sld xmlns:a="http://schemas.openxmlformats.org/drawingml/2006/main" xmlns:r="http://schemas.openxmlformats.org/officeDocument/2006/relationships" xmlns:p="http://schemas.openxmlformats.org/presentationml/2006/main">
-  <p:cSld>
-    <p:spTree>
-      <p:nvGrpSpPr>
-        <p:cNvPr id="1" name=""/>
-        <p:cNvGrpSpPr/>
-        <p:nvPr/>
-      </p:nvGrpSpPr>
-      <p:grpSpPr>
-        <a:xfrm>
-          <a:off x="0" y="0"/>
-          <a:ext cx="0" cy="0"/>
-          <a:chOff x="0" y="0"/>
-          <a:chExt cx="0" cy="0"/>
-        </a:xfrm>
-      </p:grpSpPr>
-      <p:sp>
-        <p:nvSpPr>
-          <p:cNvPr id="2" name="Text Placeholder 1">
-            <a:extLst>
-              <a:ext uri="{FF2B5EF4-FFF2-40B4-BE49-F238E27FC236}">
-                <a16:creationId xmlns:a16="http://schemas.microsoft.com/office/drawing/2014/main" id="{C3472975-5459-4A50-97DB-7FA7EED3B55E}"/>
-              </a:ext>
-            </a:extLst>
-          </p:cNvPr>
-          <p:cNvSpPr>
-            <a:spLocks noGrp="1"/>
-          </p:cNvSpPr>
-          <p:nvPr>
-            <p:ph type="body" sz="quarter" idx="10"/>
-          </p:nvPr>
-        </p:nvSpPr>
-        <p:spPr>
-          <a:xfrm>
-            <a:off x="269239" y="1189177"/>
-            <a:ext cx="11653523" cy="2190856"/>
-          </a:xfrm>
-        </p:spPr>
-        <p:txBody>
-          <a:bodyPr/>
-          <a:lstStyle/>
-          <a:p>
-            <a:pPr marL="0" indent="0">
-              <a:buNone/>
-            </a:pPr>
-            <a:r>
-              <a:rPr lang="de-DE" sz="2800" dirty="0">
-                <a:solidFill>
-                  <a:srgbClr val="0078D7"/>
-                </a:solidFill>
-              </a:rPr>
-              <a:t>Infrastructure networks</a:t>
-            </a:r>
-          </a:p>
-          <a:p>
-            <a:pPr marL="342900" lvl="1" indent="-342900"/>
-            <a:r>
-              <a:rPr lang="de-DE" sz="2000" dirty="0">
-                <a:latin typeface="+mj-lt"/>
-              </a:rPr>
-              <a:t>Storage network and internal VIPs</a:t>
-            </a:r>
-          </a:p>
-          <a:p>
-            <a:pPr marL="631825" lvl="2" indent="-285750"/>
-            <a:r>
-              <a:rPr lang="en-US" sz="1800" dirty="0">
-                <a:latin typeface="+mj-lt"/>
-              </a:rPr>
-              <a:t>Used for S2D, SMB, and Virtual Machine live migration</a:t>
-            </a:r>
-          </a:p>
-          <a:p>
-            <a:pPr marL="631825" lvl="2" indent="-285750"/>
-            <a:endParaRPr lang="de-DE" dirty="0"/>
-          </a:p>
-          <a:p>
-            <a:pPr marL="342900" lvl="1" indent="-342900"/>
-            <a:r>
-              <a:rPr lang="de-DE" sz="2000" dirty="0">
-                <a:latin typeface="+mj-lt"/>
-              </a:rPr>
-              <a:t>Infrastructure network</a:t>
-            </a:r>
-          </a:p>
-          <a:p>
-            <a:pPr marL="631825" lvl="2" indent="-285750"/>
-            <a:r>
-              <a:rPr lang="en-US" sz="1800" dirty="0">
-                <a:latin typeface="+mj-lt"/>
-              </a:rPr>
-              <a:t>Dedicated network for internal Azure Stack Hub components</a:t>
-            </a:r>
-            <a:endParaRPr lang="de-DE" sz="1800" dirty="0">
-              <a:latin typeface="+mj-lt"/>
-            </a:endParaRPr>
-          </a:p>
-        </p:txBody>
-      </p:sp>
-      <p:sp>
-        <p:nvSpPr>
-          <p:cNvPr id="3" name="Title 2">
-            <a:extLst>
-              <a:ext uri="{FF2B5EF4-FFF2-40B4-BE49-F238E27FC236}">
-                <a16:creationId xmlns:a16="http://schemas.microsoft.com/office/drawing/2014/main" id="{8047A802-7DAB-4C80-B2B2-9FD05B552EAE}"/>
-              </a:ext>
-            </a:extLst>
-          </p:cNvPr>
-          <p:cNvSpPr>
-            <a:spLocks noGrp="1"/>
-          </p:cNvSpPr>
-          <p:nvPr>
-            <p:ph type="title"/>
-          </p:nvPr>
-        </p:nvSpPr>
-        <p:spPr/>
-        <p:txBody>
-          <a:bodyPr/>
-          <a:lstStyle/>
-          <a:p>
-            <a:r>
-              <a:rPr lang="en-US" sz="4800" dirty="0"/>
-              <a:t>Networking prerequisites – Infrastructure net</a:t>
-            </a:r>
-            <a:endParaRPr lang="de-DE" sz="4800" dirty="0"/>
-          </a:p>
-        </p:txBody>
-      </p:sp>
-      <p:pic>
-        <p:nvPicPr>
-          <p:cNvPr id="4" name="Picture 3">
-            <a:extLst>
-              <a:ext uri="{FF2B5EF4-FFF2-40B4-BE49-F238E27FC236}">
-                <a16:creationId xmlns:a16="http://schemas.microsoft.com/office/drawing/2014/main" id="{00000000-0008-0000-0100-000034000000}"/>
-              </a:ext>
-            </a:extLst>
-          </p:cNvPr>
-          <p:cNvPicPr>
-            <a:picLocks noChangeAspect="1"/>
-          </p:cNvPicPr>
-          <p:nvPr/>
-        </p:nvPicPr>
-        <p:blipFill>
-          <a:blip r:embed="rId3" cstate="screen">
-            <a:extLst>
-              <a:ext uri="{28A0092B-C50C-407E-A947-70E740481C1C}">
-                <a14:useLocalDpi xmlns:a14="http://schemas.microsoft.com/office/drawing/2010/main"/>
-              </a:ext>
-            </a:extLst>
-          </a:blip>
-          <a:stretch>
-            <a:fillRect/>
-          </a:stretch>
-        </p:blipFill>
-        <p:spPr>
-          <a:xfrm>
-            <a:off x="6190939" y="3078801"/>
-            <a:ext cx="6001062" cy="3779200"/>
-          </a:xfrm>
-          <a:prstGeom prst="rect">
-            <a:avLst/>
-          </a:prstGeom>
-        </p:spPr>
-      </p:pic>
-    </p:spTree>
-    <p:extLst>
-      <p:ext uri="{BB962C8B-B14F-4D97-AF65-F5344CB8AC3E}">
-        <p14:creationId xmlns:p14="http://schemas.microsoft.com/office/powerpoint/2010/main" val="49218485"/>
-      </p:ext>
-    </p:extLst>
-  </p:cSld>
-  <p:clrMapOvr>
-    <a:masterClrMapping/>
-  </p:clrMapOvr>
-  <p:transition>
-    <p:fade/>
-  </p:transition>
-</p:sld>
-</file>
-
-<file path=ppt/slides/slide17.xml><?xml version="1.0" encoding="utf-8"?>
 <p:sld xmlns:a="http://schemas.openxmlformats.org/drawingml/2006/main" xmlns:r="http://schemas.openxmlformats.org/officeDocument/2006/relationships" xmlns:p="http://schemas.openxmlformats.org/presentationml/2006/main">
   <p:cSld>
     <p:spTree>
@@ -19981,12 +19785,54 @@
         <p:spPr>
           <a:xfrm>
             <a:off x="269239" y="1189177"/>
-            <a:ext cx="11653523" cy="3280513"/>
+            <a:ext cx="11653523" cy="4431213"/>
           </a:xfrm>
         </p:spPr>
         <p:txBody>
-          <a:bodyPr/>
+          <a:bodyPr vert="horz" wrap="square" lIns="146304" tIns="91440" rIns="146304" bIns="91440" rtlCol="0" anchor="t">
+            <a:spAutoFit/>
+          </a:bodyPr>
           <a:lstStyle/>
+          <a:p>
+            <a:pPr marL="0" indent="0">
+              <a:buNone/>
+            </a:pPr>
+            <a:r>
+              <a:rPr lang="de-DE" sz="2800">
+                <a:solidFill>
+                  <a:srgbClr val="0078D7"/>
+                </a:solidFill>
+                <a:cs typeface="Segoe UI Light"/>
+              </a:rPr>
+              <a:t>Infrastructure Network</a:t>
+            </a:r>
+            <a:endParaRPr lang="de-DE" sz="2800" dirty="0">
+              <a:solidFill>
+                <a:srgbClr val="0078D7"/>
+              </a:solidFill>
+            </a:endParaRPr>
+          </a:p>
+          <a:p>
+            <a:pPr marL="342900" indent="-342900"/>
+            <a:r>
+              <a:rPr lang="en-US" sz="2000"/>
+              <a:t>Dedicated to connecting all the baseboard management controllers</a:t>
+            </a:r>
+            <a:endParaRPr lang="de-DE" sz="2000">
+              <a:cs typeface="Segoe UI Light"/>
+            </a:endParaRPr>
+          </a:p>
+          <a:p>
+            <a:pPr marL="0" indent="0">
+              <a:buNone/>
+            </a:pPr>
+            <a:endParaRPr lang="en-US" sz="2000" dirty="0">
+              <a:solidFill>
+                <a:srgbClr val="505050"/>
+              </a:solidFill>
+              <a:cs typeface="Segoe UI Light"/>
+            </a:endParaRPr>
+          </a:p>
           <a:p>
             <a:pPr marL="0" indent="0">
               <a:buNone/>
@@ -19999,27 +19845,38 @@
               </a:rPr>
               <a:t>BMC network</a:t>
             </a:r>
-          </a:p>
-          <a:p>
-            <a:pPr marL="284163" lvl="1" indent="-284163"/>
+            <a:endParaRPr lang="de-DE" sz="3500">
+              <a:cs typeface="Segoe UI Light"/>
+            </a:endParaRPr>
+          </a:p>
+          <a:p>
+            <a:pPr marL="283845" lvl="1" indent="-283845"/>
             <a:r>
               <a:rPr lang="en-US" sz="2000" dirty="0">
                 <a:latin typeface="+mj-lt"/>
               </a:rPr>
               <a:t>Dedicated to connecting all the baseboard management controllers</a:t>
             </a:r>
-          </a:p>
-          <a:p>
-            <a:pPr marL="284163" lvl="1" indent="-284163"/>
+            <a:endParaRPr lang="en-US" sz="2000" dirty="0">
+              <a:latin typeface="+mj-lt"/>
+              <a:cs typeface="Segoe UI Light"/>
+            </a:endParaRPr>
+          </a:p>
+          <a:p>
+            <a:pPr marL="283845" lvl="1" indent="-283845"/>
             <a:r>
               <a:rPr lang="en-US" sz="2000" dirty="0">
                 <a:latin typeface="+mj-lt"/>
               </a:rPr>
               <a:t>Used to control physical server power on/off sequences for OS installation</a:t>
             </a:r>
-          </a:p>
-          <a:p>
-            <a:pPr marL="284163" lvl="1" indent="-284163"/>
+            <a:endParaRPr lang="en-US" sz="2000" dirty="0">
+              <a:latin typeface="+mj-lt"/>
+              <a:cs typeface="Segoe UI Light"/>
+            </a:endParaRPr>
+          </a:p>
+          <a:p>
+            <a:pPr marL="283845" lvl="1" indent="-283845"/>
             <a:r>
               <a:rPr lang="en-US" sz="2000" dirty="0">
                 <a:latin typeface="+mj-lt"/>
@@ -20027,9 +19884,11 @@
               <a:t>Also provide connectivity to the DVM</a:t>
             </a:r>
             <a:br>
-              <a:rPr lang="en-US" dirty="0"/>
+              <a:rPr lang="en-US" sz="2350" dirty="0"/>
             </a:br>
-            <a:endParaRPr lang="en-US" dirty="0"/>
+            <a:endParaRPr lang="en-US" sz="2350">
+              <a:cs typeface="Segoe UI"/>
+            </a:endParaRPr>
           </a:p>
           <a:p>
             <a:pPr marL="0" indent="0">
@@ -20125,7 +19984,7 @@
 </p:sld>
 </file>
 
-<file path=ppt/slides/slide18.xml><?xml version="1.0" encoding="utf-8"?>
+<file path=ppt/slides/slide17.xml><?xml version="1.0" encoding="utf-8"?>
 <p:sld xmlns:a="http://schemas.openxmlformats.org/drawingml/2006/main" xmlns:r="http://schemas.openxmlformats.org/officeDocument/2006/relationships" xmlns:p="http://schemas.openxmlformats.org/presentationml/2006/main">
   <p:cSld>
     <p:spTree>
@@ -20161,11 +20020,13 @@
         <p:spPr>
           <a:xfrm>
             <a:off x="269239" y="1189177"/>
-            <a:ext cx="11653523" cy="1783245"/>
+            <a:ext cx="11653523" cy="2934329"/>
           </a:xfrm>
         </p:spPr>
         <p:txBody>
-          <a:bodyPr/>
+          <a:bodyPr vert="horz" wrap="square" lIns="146304" tIns="91440" rIns="146304" bIns="91440" rtlCol="0" anchor="t">
+            <a:spAutoFit/>
+          </a:bodyPr>
           <a:lstStyle/>
           <a:p>
             <a:pPr marL="0" indent="0">
@@ -20190,8 +20051,10 @@
             </a:r>
           </a:p>
           <a:p>
-            <a:pPr lvl="1"/>
-            <a:endParaRPr lang="en-US" dirty="0"/>
+            <a:pPr marL="572135" lvl="1" indent="-236220"/>
+            <a:endParaRPr lang="en-US" dirty="0">
+              <a:cs typeface="Segoe UI"/>
+            </a:endParaRPr>
           </a:p>
           <a:p>
             <a:pPr marL="0" indent="0">
@@ -20205,10 +20068,44 @@
               </a:rPr>
               <a:t>Private Virtual IP Networks</a:t>
             </a:r>
-            <a:endParaRPr lang="de-DE" sz="2800" dirty="0">
+          </a:p>
+          <a:p>
+            <a:pPr marL="342900" lvl="1" indent="-342900"/>
+            <a:r>
+              <a:rPr lang="en-US" sz="2000">
+                <a:latin typeface="+mj-lt"/>
+              </a:rPr>
+              <a:t> </a:t>
+            </a:r>
+            <a:r>
+              <a:rPr lang="de-DE" sz="2000">
+                <a:latin typeface="+mj-lt"/>
+              </a:rPr>
+              <a:t>Storage network and internal VIPs</a:t>
+            </a:r>
+          </a:p>
+          <a:p>
+            <a:pPr marL="631825" lvl="2" indent="-285750"/>
+            <a:r>
+              <a:rPr lang="en-US" sz="2000">
+                <a:latin typeface="+mj-lt"/>
+              </a:rPr>
+              <a:t>Used for S2D, SMB, and Virtual Machine live migration</a:t>
+            </a:r>
+            <a:endParaRPr lang="en-US" sz="2000">
+              <a:latin typeface="+mj-lt"/>
+              <a:cs typeface="Segoe UI Light"/>
+            </a:endParaRPr>
+          </a:p>
+          <a:p>
+            <a:pPr marL="0" indent="0">
+              <a:buNone/>
+            </a:pPr>
+            <a:endParaRPr lang="en-US" sz="2800" dirty="0">
               <a:solidFill>
                 <a:srgbClr val="0078D7"/>
               </a:solidFill>
+              <a:cs typeface="Segoe UI Light"/>
             </a:endParaRPr>
           </a:p>
         </p:txBody>
@@ -20264,8 +20161,8 @@
         </p:blipFill>
         <p:spPr>
           <a:xfrm>
-            <a:off x="1201225" y="2972422"/>
-            <a:ext cx="10882789" cy="3788149"/>
+            <a:off x="2480810" y="3518761"/>
+            <a:ext cx="9171884" cy="3198678"/>
           </a:xfrm>
           <a:prstGeom prst="rect">
             <a:avLst/>
@@ -20288,7 +20185,7 @@
 </p:sld>
 </file>
 
-<file path=ppt/slides/slide19.xml><?xml version="1.0" encoding="utf-8"?>
+<file path=ppt/slides/slide18.xml><?xml version="1.0" encoding="utf-8"?>
 <p:sld xmlns:a="http://schemas.openxmlformats.org/drawingml/2006/main" xmlns:r="http://schemas.openxmlformats.org/officeDocument/2006/relationships" xmlns:p="http://schemas.openxmlformats.org/presentationml/2006/main">
   <p:cSld>
     <p:spTree>
@@ -20475,6 +20372,1056 @@
     <p:extLst>
       <p:ext uri="{BB962C8B-B14F-4D97-AF65-F5344CB8AC3E}">
         <p14:creationId xmlns:p14="http://schemas.microsoft.com/office/powerpoint/2010/main" val="727470754"/>
+      </p:ext>
+    </p:extLst>
+  </p:cSld>
+  <p:clrMapOvr>
+    <a:masterClrMapping/>
+  </p:clrMapOvr>
+  <p:transition>
+    <p:fade/>
+  </p:transition>
+</p:sld>
+</file>
+
+<file path=ppt/slides/slide19.xml><?xml version="1.0" encoding="utf-8"?>
+<p:sld xmlns:a="http://schemas.openxmlformats.org/drawingml/2006/main" xmlns:r="http://schemas.openxmlformats.org/officeDocument/2006/relationships" xmlns:p="http://schemas.openxmlformats.org/presentationml/2006/main">
+  <p:cSld>
+    <p:spTree>
+      <p:nvGrpSpPr>
+        <p:cNvPr id="1" name=""/>
+        <p:cNvGrpSpPr/>
+        <p:nvPr/>
+      </p:nvGrpSpPr>
+      <p:grpSpPr>
+        <a:xfrm>
+          <a:off x="0" y="0"/>
+          <a:ext cx="0" cy="0"/>
+          <a:chOff x="0" y="0"/>
+          <a:chExt cx="0" cy="0"/>
+        </a:xfrm>
+      </p:grpSpPr>
+      <p:sp>
+        <p:nvSpPr>
+          <p:cNvPr id="17" name="Title 1"/>
+          <p:cNvSpPr txBox="1">
+            <a:spLocks/>
+          </p:cNvSpPr>
+          <p:nvPr/>
+        </p:nvSpPr>
+        <p:spPr>
+          <a:xfrm>
+            <a:off x="269240" y="289511"/>
+            <a:ext cx="11655840" cy="899665"/>
+          </a:xfrm>
+          <a:prstGeom prst="rect">
+            <a:avLst/>
+          </a:prstGeom>
+        </p:spPr>
+        <p:txBody>
+          <a:bodyPr vert="horz" wrap="square" lIns="146304" tIns="91440" rIns="146304" bIns="91440" rtlCol="0" anchor="t">
+            <a:noAutofit/>
+          </a:bodyPr>
+          <a:lstStyle>
+            <a:lvl1pPr algn="l" defTabSz="932742" rtl="0" eaLnBrk="1" latinLnBrk="0" hangingPunct="1">
+              <a:lnSpc>
+                <a:spcPct val="90000"/>
+              </a:lnSpc>
+              <a:spcBef>
+                <a:spcPct val="0"/>
+              </a:spcBef>
+              <a:buNone/>
+              <a:defRPr lang="en-US" sz="4800" b="0" kern="1200" cap="none" spc="-102" baseline="0">
+                <a:ln w="3175">
+                  <a:noFill/>
+                </a:ln>
+                <a:solidFill>
+                  <a:srgbClr val="0078D7"/>
+                </a:solidFill>
+                <a:effectLst/>
+                <a:latin typeface="+mj-lt"/>
+                <a:ea typeface="+mn-ea"/>
+                <a:cs typeface="Segoe UI" pitchFamily="34" charset="0"/>
+              </a:defRPr>
+            </a:lvl1pPr>
+          </a:lstStyle>
+          <a:p>
+            <a:pPr marL="0" marR="0" lvl="0" indent="0" algn="l" defTabSz="932742" rtl="0" eaLnBrk="1" fontAlgn="auto" latinLnBrk="0" hangingPunct="1">
+              <a:lnSpc>
+                <a:spcPct val="90000"/>
+              </a:lnSpc>
+              <a:spcBef>
+                <a:spcPct val="0"/>
+              </a:spcBef>
+              <a:spcAft>
+                <a:spcPts val="0"/>
+              </a:spcAft>
+              <a:buClrTx/>
+              <a:buSzTx/>
+              <a:buFontTx/>
+              <a:buNone/>
+              <a:tabLst/>
+              <a:defRPr/>
+            </a:pPr>
+            <a:r>
+              <a:rPr kumimoji="0" lang="en-US" sz="4800" b="0" i="0" u="none" strike="noStrike" kern="1200" cap="none" spc="-102" normalizeH="0" baseline="0" noProof="0" dirty="0">
+                <a:ln w="3175">
+                  <a:noFill/>
+                </a:ln>
+                <a:solidFill>
+                  <a:srgbClr val="505050"/>
+                </a:solidFill>
+                <a:effectLst/>
+                <a:uLnTx/>
+                <a:uFillTx/>
+                <a:latin typeface="Segoe UI Light"/>
+                <a:ea typeface="+mn-ea"/>
+                <a:cs typeface="Segoe UI" pitchFamily="34" charset="0"/>
+              </a:rPr>
+              <a:t>Networking integration considerations</a:t>
+            </a:r>
+          </a:p>
+        </p:txBody>
+      </p:sp>
+      <p:sp>
+        <p:nvSpPr>
+          <p:cNvPr id="18" name="Rectangle 17"/>
+          <p:cNvSpPr/>
+          <p:nvPr/>
+        </p:nvSpPr>
+        <p:spPr bwMode="auto">
+          <a:xfrm>
+            <a:off x="2222838" y="903941"/>
+            <a:ext cx="9625221" cy="1741181"/>
+          </a:xfrm>
+          <a:prstGeom prst="rect">
+            <a:avLst/>
+          </a:prstGeom>
+          <a:noFill/>
+          <a:ln w="3175" cap="flat" cmpd="sng" algn="ctr">
+            <a:noFill/>
+            <a:prstDash val="solid"/>
+            <a:headEnd type="none" w="med" len="med"/>
+            <a:tailEnd type="none" w="med" len="med"/>
+          </a:ln>
+          <a:effectLst/>
+        </p:spPr>
+        <p:txBody>
+          <a:bodyPr rot="0" spcFirstLastPara="0" vertOverflow="overflow" horzOverflow="overflow" vert="horz" wrap="square" lIns="179285" tIns="44821" rIns="89642" bIns="44821" numCol="1" spcCol="0" rtlCol="0" fromWordArt="0" anchor="ctr" anchorCtr="0" forceAA="0" compatLnSpc="1">
+            <a:prstTxWarp prst="textNoShape">
+              <a:avLst/>
+            </a:prstTxWarp>
+            <a:noAutofit/>
+          </a:bodyPr>
+          <a:lstStyle/>
+          <a:p>
+            <a:pPr marL="0" marR="0" lvl="0" indent="0" defTabSz="914367" eaLnBrk="1" fontAlgn="auto" latinLnBrk="0" hangingPunct="1">
+              <a:lnSpc>
+                <a:spcPct val="100000"/>
+              </a:lnSpc>
+              <a:spcBef>
+                <a:spcPts val="294"/>
+              </a:spcBef>
+              <a:spcAft>
+                <a:spcPts val="588"/>
+              </a:spcAft>
+              <a:buClr>
+                <a:srgbClr val="0078D7"/>
+              </a:buClr>
+              <a:buSzPct val="100000"/>
+              <a:buFontTx/>
+              <a:buNone/>
+              <a:tabLst/>
+              <a:defRPr/>
+            </a:pPr>
+            <a:r>
+              <a:rPr kumimoji="0" lang="en-US" sz="2000" b="0" i="0" u="none" strike="noStrike" kern="0" cap="none" spc="0" normalizeH="0" baseline="0" noProof="0" dirty="0">
+                <a:ln>
+                  <a:noFill/>
+                </a:ln>
+                <a:solidFill>
+                  <a:srgbClr val="0078D7"/>
+                </a:solidFill>
+                <a:effectLst/>
+                <a:uLnTx/>
+                <a:uFillTx/>
+                <a:latin typeface="Segoe UI Light"/>
+                <a:ea typeface="+mn-ea"/>
+                <a:cs typeface="+mn-cs"/>
+              </a:rPr>
+              <a:t>Time server specified at deployment but also used for physical network switches:</a:t>
+            </a:r>
+          </a:p>
+          <a:p>
+            <a:pPr marL="284163" marR="0" lvl="1" indent="-284163" defTabSz="914367" eaLnBrk="1" fontAlgn="auto" latinLnBrk="0" hangingPunct="1">
+              <a:lnSpc>
+                <a:spcPct val="100000"/>
+              </a:lnSpc>
+              <a:spcBef>
+                <a:spcPts val="294"/>
+              </a:spcBef>
+              <a:spcAft>
+                <a:spcPts val="588"/>
+              </a:spcAft>
+              <a:buClr>
+                <a:srgbClr val="505050"/>
+              </a:buClr>
+              <a:buSzPct val="100000"/>
+              <a:buFont typeface="Arial" panose="020B0604020202020204" pitchFamily="34" charset="0"/>
+              <a:buChar char="•"/>
+              <a:tabLst/>
+              <a:defRPr/>
+            </a:pPr>
+            <a:r>
+              <a:rPr kumimoji="0" lang="en-US" sz="1800" b="0" i="0" u="none" strike="noStrike" kern="0" cap="none" spc="0" normalizeH="0" baseline="0" noProof="0" dirty="0">
+                <a:ln>
+                  <a:noFill/>
+                </a:ln>
+                <a:solidFill>
+                  <a:srgbClr val="505050"/>
+                </a:solidFill>
+                <a:effectLst/>
+                <a:uLnTx/>
+                <a:uFillTx/>
+                <a:latin typeface="Segoe UI Light"/>
+                <a:ea typeface="+mn-ea"/>
+                <a:cs typeface="+mn-cs"/>
+              </a:rPr>
+              <a:t>Time across all infrastructure elements is key</a:t>
+            </a:r>
+          </a:p>
+          <a:p>
+            <a:pPr marL="284163" marR="0" lvl="1" indent="-284163" defTabSz="914367" eaLnBrk="1" fontAlgn="auto" latinLnBrk="0" hangingPunct="1">
+              <a:lnSpc>
+                <a:spcPct val="100000"/>
+              </a:lnSpc>
+              <a:spcBef>
+                <a:spcPts val="294"/>
+              </a:spcBef>
+              <a:spcAft>
+                <a:spcPts val="588"/>
+              </a:spcAft>
+              <a:buClr>
+                <a:srgbClr val="505050"/>
+              </a:buClr>
+              <a:buSzPct val="100000"/>
+              <a:buFont typeface="Arial" panose="020B0604020202020204" pitchFamily="34" charset="0"/>
+              <a:buChar char="•"/>
+              <a:tabLst/>
+              <a:defRPr/>
+            </a:pPr>
+            <a:r>
+              <a:rPr kumimoji="0" lang="en-US" sz="1800" b="0" i="0" u="none" strike="noStrike" kern="0" cap="none" spc="0" normalizeH="0" baseline="0" noProof="0" dirty="0">
+                <a:ln>
+                  <a:noFill/>
+                </a:ln>
+                <a:solidFill>
+                  <a:srgbClr val="505050"/>
+                </a:solidFill>
+                <a:effectLst/>
+                <a:uLnTx/>
+                <a:uFillTx/>
+                <a:latin typeface="Segoe UI Light"/>
+                <a:ea typeface="+mn-ea"/>
+                <a:cs typeface="+mn-cs"/>
+              </a:rPr>
+              <a:t>This time is propagated to the whole solution (including user VMs)</a:t>
+            </a:r>
+          </a:p>
+        </p:txBody>
+      </p:sp>
+      <p:sp>
+        <p:nvSpPr>
+          <p:cNvPr id="19" name="Rectangle 18"/>
+          <p:cNvSpPr/>
+          <p:nvPr/>
+        </p:nvSpPr>
+        <p:spPr bwMode="auto">
+          <a:xfrm>
+            <a:off x="2223422" y="2339678"/>
+            <a:ext cx="9624636" cy="1742045"/>
+          </a:xfrm>
+          <a:prstGeom prst="rect">
+            <a:avLst/>
+          </a:prstGeom>
+          <a:noFill/>
+          <a:ln w="3175" cap="flat" cmpd="sng" algn="ctr">
+            <a:noFill/>
+            <a:prstDash val="solid"/>
+            <a:headEnd type="none" w="med" len="med"/>
+            <a:tailEnd type="none" w="med" len="med"/>
+          </a:ln>
+          <a:effectLst/>
+        </p:spPr>
+        <p:txBody>
+          <a:bodyPr rot="0" spcFirstLastPara="0" vertOverflow="overflow" horzOverflow="overflow" vert="horz" wrap="square" lIns="179285" tIns="44821" rIns="89642" bIns="44821" numCol="1" spcCol="0" rtlCol="0" fromWordArt="0" anchor="ctr" anchorCtr="0" forceAA="0" compatLnSpc="1">
+            <a:prstTxWarp prst="textNoShape">
+              <a:avLst/>
+            </a:prstTxWarp>
+            <a:noAutofit/>
+          </a:bodyPr>
+          <a:lstStyle/>
+          <a:p>
+            <a:pPr marL="0" marR="0" lvl="0" indent="0" defTabSz="914367" eaLnBrk="1" fontAlgn="auto" latinLnBrk="0" hangingPunct="1">
+              <a:lnSpc>
+                <a:spcPct val="100000"/>
+              </a:lnSpc>
+              <a:spcBef>
+                <a:spcPts val="294"/>
+              </a:spcBef>
+              <a:spcAft>
+                <a:spcPts val="588"/>
+              </a:spcAft>
+              <a:buClr>
+                <a:srgbClr val="0078D7"/>
+              </a:buClr>
+              <a:buSzPct val="100000"/>
+              <a:buFontTx/>
+              <a:buNone/>
+              <a:tabLst/>
+              <a:defRPr/>
+            </a:pPr>
+            <a:r>
+              <a:rPr kumimoji="0" lang="en-US" sz="2000" b="0" i="0" u="none" strike="noStrike" kern="0" cap="none" spc="0" normalizeH="0" baseline="0" noProof="0" dirty="0">
+                <a:ln>
+                  <a:noFill/>
+                </a:ln>
+                <a:solidFill>
+                  <a:srgbClr val="0078D7"/>
+                </a:solidFill>
+                <a:effectLst/>
+                <a:uLnTx/>
+                <a:uFillTx/>
+                <a:latin typeface="Segoe UI Light"/>
+                <a:ea typeface="+mn-ea"/>
+                <a:cs typeface="+mn-cs"/>
+              </a:rPr>
+              <a:t>Supports existing logging infrastructure for:</a:t>
+            </a:r>
+          </a:p>
+          <a:p>
+            <a:pPr marL="228600" marR="0" lvl="1" indent="-228600" defTabSz="914367" eaLnBrk="1" fontAlgn="auto" latinLnBrk="0" hangingPunct="1">
+              <a:lnSpc>
+                <a:spcPct val="100000"/>
+              </a:lnSpc>
+              <a:spcBef>
+                <a:spcPts val="294"/>
+              </a:spcBef>
+              <a:spcAft>
+                <a:spcPts val="588"/>
+              </a:spcAft>
+              <a:buClr>
+                <a:srgbClr val="505050"/>
+              </a:buClr>
+              <a:buSzPct val="100000"/>
+              <a:buFont typeface="Arial" panose="020B0604020202020204" pitchFamily="34" charset="0"/>
+              <a:buChar char="•"/>
+              <a:tabLst/>
+              <a:defRPr/>
+            </a:pPr>
+            <a:r>
+              <a:rPr kumimoji="0" lang="en-US" sz="1800" b="0" i="0" u="none" strike="noStrike" kern="0" cap="none" spc="0" normalizeH="0" baseline="0" noProof="0" dirty="0">
+                <a:ln>
+                  <a:noFill/>
+                </a:ln>
+                <a:solidFill>
+                  <a:srgbClr val="505050"/>
+                </a:solidFill>
+                <a:effectLst/>
+                <a:uLnTx/>
+                <a:uFillTx/>
+                <a:latin typeface="Segoe UI Light"/>
+                <a:ea typeface="+mn-ea"/>
+                <a:cs typeface="+mn-cs"/>
+              </a:rPr>
+              <a:t>Physical network switches</a:t>
+            </a:r>
+          </a:p>
+          <a:p>
+            <a:pPr marL="228600" marR="0" lvl="1" indent="-228600" defTabSz="914367" eaLnBrk="1" fontAlgn="auto" latinLnBrk="0" hangingPunct="1">
+              <a:lnSpc>
+                <a:spcPct val="100000"/>
+              </a:lnSpc>
+              <a:spcBef>
+                <a:spcPts val="294"/>
+              </a:spcBef>
+              <a:spcAft>
+                <a:spcPts val="588"/>
+              </a:spcAft>
+              <a:buClr>
+                <a:srgbClr val="505050"/>
+              </a:buClr>
+              <a:buSzPct val="100000"/>
+              <a:buFont typeface="Arial" panose="020B0604020202020204" pitchFamily="34" charset="0"/>
+              <a:buChar char="•"/>
+              <a:tabLst/>
+              <a:defRPr/>
+            </a:pPr>
+            <a:r>
+              <a:rPr kumimoji="0" lang="en-US" sz="1800" b="0" i="0" u="none" strike="noStrike" kern="0" cap="none" spc="0" normalizeH="0" baseline="0" noProof="0" dirty="0">
+                <a:ln>
+                  <a:noFill/>
+                </a:ln>
+                <a:solidFill>
+                  <a:srgbClr val="505050"/>
+                </a:solidFill>
+                <a:effectLst/>
+                <a:uLnTx/>
+                <a:uFillTx/>
+                <a:latin typeface="Segoe UI Light"/>
+                <a:ea typeface="+mn-ea"/>
+                <a:cs typeface="+mn-cs"/>
+              </a:rPr>
+              <a:t>Baseboard management controller</a:t>
+            </a:r>
+          </a:p>
+          <a:p>
+            <a:pPr marL="228600" marR="0" lvl="1" indent="-228600" defTabSz="914367" eaLnBrk="1" fontAlgn="auto" latinLnBrk="0" hangingPunct="1">
+              <a:lnSpc>
+                <a:spcPct val="100000"/>
+              </a:lnSpc>
+              <a:spcBef>
+                <a:spcPts val="294"/>
+              </a:spcBef>
+              <a:spcAft>
+                <a:spcPts val="588"/>
+              </a:spcAft>
+              <a:buClr>
+                <a:srgbClr val="505050"/>
+              </a:buClr>
+              <a:buSzPct val="100000"/>
+              <a:buFont typeface="Arial" panose="020B0604020202020204" pitchFamily="34" charset="0"/>
+              <a:buChar char="•"/>
+              <a:tabLst/>
+              <a:defRPr/>
+            </a:pPr>
+            <a:r>
+              <a:rPr kumimoji="0" lang="en-US" sz="1800" b="0" i="0" u="none" strike="noStrike" kern="0" cap="none" spc="0" normalizeH="0" baseline="0" noProof="0" dirty="0">
+                <a:ln>
+                  <a:noFill/>
+                </a:ln>
+                <a:solidFill>
+                  <a:srgbClr val="505050"/>
+                </a:solidFill>
+                <a:effectLst/>
+                <a:uLnTx/>
+                <a:uFillTx/>
+                <a:latin typeface="Segoe UI Light"/>
+                <a:ea typeface="+mn-ea"/>
+                <a:cs typeface="+mn-cs"/>
+              </a:rPr>
+              <a:t>OEM tools</a:t>
+            </a:r>
+          </a:p>
+        </p:txBody>
+      </p:sp>
+      <p:sp>
+        <p:nvSpPr>
+          <p:cNvPr id="21" name="Rectangle 20"/>
+          <p:cNvSpPr/>
+          <p:nvPr/>
+        </p:nvSpPr>
+        <p:spPr bwMode="auto">
+          <a:xfrm>
+            <a:off x="2223422" y="3825936"/>
+            <a:ext cx="9624636" cy="1742045"/>
+          </a:xfrm>
+          <a:prstGeom prst="rect">
+            <a:avLst/>
+          </a:prstGeom>
+          <a:noFill/>
+          <a:ln w="3175" cap="flat" cmpd="sng" algn="ctr">
+            <a:noFill/>
+            <a:prstDash val="solid"/>
+            <a:headEnd type="none" w="med" len="med"/>
+            <a:tailEnd type="none" w="med" len="med"/>
+          </a:ln>
+          <a:effectLst/>
+        </p:spPr>
+        <p:txBody>
+          <a:bodyPr rot="0" spcFirstLastPara="0" vertOverflow="overflow" horzOverflow="overflow" vert="horz" wrap="square" lIns="179285" tIns="44821" rIns="89642" bIns="44821" numCol="1" spcCol="0" rtlCol="0" fromWordArt="0" anchor="ctr" anchorCtr="0" forceAA="0" compatLnSpc="1">
+            <a:prstTxWarp prst="textNoShape">
+              <a:avLst/>
+            </a:prstTxWarp>
+            <a:noAutofit/>
+          </a:bodyPr>
+          <a:lstStyle/>
+          <a:p>
+            <a:pPr marL="0" marR="0" lvl="0" indent="0" defTabSz="914367" eaLnBrk="1" fontAlgn="auto" latinLnBrk="0" hangingPunct="1">
+              <a:lnSpc>
+                <a:spcPct val="100000"/>
+              </a:lnSpc>
+              <a:spcBef>
+                <a:spcPts val="294"/>
+              </a:spcBef>
+              <a:spcAft>
+                <a:spcPts val="588"/>
+              </a:spcAft>
+              <a:buClr>
+                <a:srgbClr val="0078D7"/>
+              </a:buClr>
+              <a:buSzPct val="100000"/>
+              <a:buFontTx/>
+              <a:buNone/>
+              <a:tabLst/>
+              <a:defRPr/>
+            </a:pPr>
+            <a:r>
+              <a:rPr kumimoji="0" lang="en-US" sz="2000" b="0" i="0" u="none" strike="noStrike" kern="0" cap="none" spc="0" normalizeH="0" baseline="0" noProof="0" dirty="0">
+                <a:ln>
+                  <a:noFill/>
+                </a:ln>
+                <a:solidFill>
+                  <a:srgbClr val="0078D7"/>
+                </a:solidFill>
+                <a:effectLst/>
+                <a:uLnTx/>
+                <a:uFillTx/>
+                <a:latin typeface="Segoe UI Light"/>
+                <a:ea typeface="+mn-ea"/>
+                <a:cs typeface="+mn-cs"/>
+              </a:rPr>
+              <a:t>Supports existing infrastructure of:</a:t>
+            </a:r>
+          </a:p>
+          <a:p>
+            <a:pPr marL="228600" marR="0" lvl="1" indent="-228600" defTabSz="914367" eaLnBrk="1" fontAlgn="auto" latinLnBrk="0" hangingPunct="1">
+              <a:lnSpc>
+                <a:spcPct val="100000"/>
+              </a:lnSpc>
+              <a:spcBef>
+                <a:spcPts val="294"/>
+              </a:spcBef>
+              <a:spcAft>
+                <a:spcPts val="588"/>
+              </a:spcAft>
+              <a:buClr>
+                <a:srgbClr val="505050"/>
+              </a:buClr>
+              <a:buSzPct val="100000"/>
+              <a:buFont typeface="Arial" panose="020B0604020202020204" pitchFamily="34" charset="0"/>
+              <a:buChar char="•"/>
+              <a:tabLst/>
+              <a:defRPr/>
+            </a:pPr>
+            <a:r>
+              <a:rPr kumimoji="0" lang="en-US" sz="1800" b="0" i="0" u="none" strike="noStrike" kern="0" cap="none" spc="0" normalizeH="0" baseline="0" noProof="0" dirty="0">
+                <a:ln>
+                  <a:noFill/>
+                </a:ln>
+                <a:solidFill>
+                  <a:srgbClr val="505050"/>
+                </a:solidFill>
+                <a:effectLst/>
+                <a:uLnTx/>
+                <a:uFillTx/>
+                <a:latin typeface="Segoe UI Light"/>
+                <a:ea typeface="+mn-ea"/>
+                <a:cs typeface="+mn-cs"/>
+              </a:rPr>
+              <a:t>Radius with MSCHAPv2</a:t>
+            </a:r>
+          </a:p>
+          <a:p>
+            <a:pPr marL="228600" marR="0" lvl="1" indent="-228600" defTabSz="914367" eaLnBrk="1" fontAlgn="auto" latinLnBrk="0" hangingPunct="1">
+              <a:lnSpc>
+                <a:spcPct val="100000"/>
+              </a:lnSpc>
+              <a:spcBef>
+                <a:spcPts val="294"/>
+              </a:spcBef>
+              <a:spcAft>
+                <a:spcPts val="588"/>
+              </a:spcAft>
+              <a:buClr>
+                <a:srgbClr val="505050"/>
+              </a:buClr>
+              <a:buSzPct val="100000"/>
+              <a:buFont typeface="Arial" panose="020B0604020202020204" pitchFamily="34" charset="0"/>
+              <a:buChar char="•"/>
+              <a:tabLst/>
+              <a:defRPr/>
+            </a:pPr>
+            <a:r>
+              <a:rPr kumimoji="0" lang="en-US" sz="1800" b="0" i="0" u="none" strike="noStrike" kern="0" cap="none" spc="0" normalizeH="0" baseline="0" noProof="0" dirty="0">
+                <a:ln>
+                  <a:noFill/>
+                </a:ln>
+                <a:solidFill>
+                  <a:srgbClr val="505050"/>
+                </a:solidFill>
+                <a:effectLst/>
+                <a:uLnTx/>
+                <a:uFillTx/>
+                <a:latin typeface="Segoe UI Light"/>
+                <a:ea typeface="+mn-ea"/>
+                <a:cs typeface="+mn-cs"/>
+              </a:rPr>
+              <a:t>TACACS</a:t>
+            </a:r>
+          </a:p>
+        </p:txBody>
+      </p:sp>
+      <p:cxnSp>
+        <p:nvCxnSpPr>
+          <p:cNvPr id="24" name="Straight Connector 23"/>
+          <p:cNvCxnSpPr>
+            <a:cxnSpLocks/>
+          </p:cNvCxnSpPr>
+          <p:nvPr/>
+        </p:nvCxnSpPr>
+        <p:spPr>
+          <a:xfrm>
+            <a:off x="2075543" y="1221672"/>
+            <a:ext cx="0" cy="1105717"/>
+          </a:xfrm>
+          <a:prstGeom prst="line">
+            <a:avLst/>
+          </a:prstGeom>
+          <a:noFill/>
+          <a:ln w="15875" cap="flat" cmpd="sng" algn="ctr">
+            <a:solidFill>
+              <a:srgbClr val="FFFFFF">
+                <a:lumMod val="85000"/>
+              </a:srgbClr>
+            </a:solidFill>
+            <a:prstDash val="solid"/>
+            <a:headEnd type="none"/>
+            <a:tailEnd type="none"/>
+          </a:ln>
+          <a:effectLst/>
+        </p:spPr>
+      </p:cxnSp>
+      <p:cxnSp>
+        <p:nvCxnSpPr>
+          <p:cNvPr id="26" name="Straight Connector 25"/>
+          <p:cNvCxnSpPr>
+            <a:cxnSpLocks/>
+          </p:cNvCxnSpPr>
+          <p:nvPr/>
+        </p:nvCxnSpPr>
+        <p:spPr>
+          <a:xfrm>
+            <a:off x="2075543" y="2724961"/>
+            <a:ext cx="0" cy="1105717"/>
+          </a:xfrm>
+          <a:prstGeom prst="line">
+            <a:avLst/>
+          </a:prstGeom>
+          <a:noFill/>
+          <a:ln w="15875" cap="flat" cmpd="sng" algn="ctr">
+            <a:solidFill>
+              <a:srgbClr val="FFFFFF">
+                <a:lumMod val="85000"/>
+              </a:srgbClr>
+            </a:solidFill>
+            <a:prstDash val="solid"/>
+            <a:headEnd type="none"/>
+            <a:tailEnd type="none"/>
+          </a:ln>
+          <a:effectLst/>
+        </p:spPr>
+      </p:cxnSp>
+      <p:cxnSp>
+        <p:nvCxnSpPr>
+          <p:cNvPr id="27" name="Straight Connector 26"/>
+          <p:cNvCxnSpPr>
+            <a:cxnSpLocks/>
+          </p:cNvCxnSpPr>
+          <p:nvPr/>
+        </p:nvCxnSpPr>
+        <p:spPr>
+          <a:xfrm>
+            <a:off x="2075543" y="4144099"/>
+            <a:ext cx="0" cy="1105717"/>
+          </a:xfrm>
+          <a:prstGeom prst="line">
+            <a:avLst/>
+          </a:prstGeom>
+          <a:noFill/>
+          <a:ln w="15875" cap="flat" cmpd="sng" algn="ctr">
+            <a:solidFill>
+              <a:srgbClr val="FFFFFF">
+                <a:lumMod val="85000"/>
+              </a:srgbClr>
+            </a:solidFill>
+            <a:prstDash val="solid"/>
+            <a:headEnd type="none"/>
+            <a:tailEnd type="none"/>
+          </a:ln>
+          <a:effectLst/>
+        </p:spPr>
+      </p:cxnSp>
+      <p:pic>
+        <p:nvPicPr>
+          <p:cNvPr id="28" name="Graphic 27"/>
+          <p:cNvPicPr>
+            <a:picLocks noChangeAspect="1"/>
+          </p:cNvPicPr>
+          <p:nvPr/>
+        </p:nvPicPr>
+        <p:blipFill>
+          <a:blip r:embed="rId3" cstate="screen">
+            <a:extLst>
+              <a:ext uri="{28A0092B-C50C-407E-A947-70E740481C1C}">
+                <a14:useLocalDpi xmlns:a14="http://schemas.microsoft.com/office/drawing/2010/main"/>
+              </a:ext>
+              <a:ext uri="{96DAC541-7B7A-43D3-8B79-37D633B846F1}">
+                <asvg:svgBlip xmlns:asvg="http://schemas.microsoft.com/office/drawing/2016/SVG/main" r:embed="rId4"/>
+              </a:ext>
+            </a:extLst>
+          </a:blip>
+          <a:stretch>
+            <a:fillRect/>
+          </a:stretch>
+        </p:blipFill>
+        <p:spPr>
+          <a:xfrm>
+            <a:off x="600937" y="1351469"/>
+            <a:ext cx="866775" cy="819150"/>
+          </a:xfrm>
+          <a:prstGeom prst="rect">
+            <a:avLst/>
+          </a:prstGeom>
+        </p:spPr>
+      </p:pic>
+      <p:pic>
+        <p:nvPicPr>
+          <p:cNvPr id="29" name="Graphic 28"/>
+          <p:cNvPicPr>
+            <a:picLocks noChangeAspect="1"/>
+          </p:cNvPicPr>
+          <p:nvPr/>
+        </p:nvPicPr>
+        <p:blipFill>
+          <a:blip r:embed="rId5" cstate="screen">
+            <a:extLst>
+              <a:ext uri="{28A0092B-C50C-407E-A947-70E740481C1C}">
+                <a14:useLocalDpi xmlns:a14="http://schemas.microsoft.com/office/drawing/2010/main"/>
+              </a:ext>
+              <a:ext uri="{96DAC541-7B7A-43D3-8B79-37D633B846F1}">
+                <asvg:svgBlip xmlns:asvg="http://schemas.microsoft.com/office/drawing/2016/SVG/main" r:embed="rId6"/>
+              </a:ext>
+            </a:extLst>
+          </a:blip>
+          <a:stretch>
+            <a:fillRect/>
+          </a:stretch>
+        </p:blipFill>
+        <p:spPr>
+          <a:xfrm>
+            <a:off x="698616" y="2873006"/>
+            <a:ext cx="885825" cy="809625"/>
+          </a:xfrm>
+          <a:prstGeom prst="rect">
+            <a:avLst/>
+          </a:prstGeom>
+        </p:spPr>
+      </p:pic>
+      <p:pic>
+        <p:nvPicPr>
+          <p:cNvPr id="30" name="Graphic 29"/>
+          <p:cNvPicPr>
+            <a:picLocks noChangeAspect="1"/>
+          </p:cNvPicPr>
+          <p:nvPr/>
+        </p:nvPicPr>
+        <p:blipFill>
+          <a:blip r:embed="rId7" cstate="screen">
+            <a:extLst>
+              <a:ext uri="{28A0092B-C50C-407E-A947-70E740481C1C}">
+                <a14:useLocalDpi xmlns:a14="http://schemas.microsoft.com/office/drawing/2010/main"/>
+              </a:ext>
+              <a:ext uri="{96DAC541-7B7A-43D3-8B79-37D633B846F1}">
+                <asvg:svgBlip xmlns:asvg="http://schemas.microsoft.com/office/drawing/2016/SVG/main" r:embed="rId8"/>
+              </a:ext>
+            </a:extLst>
+          </a:blip>
+          <a:stretch>
+            <a:fillRect/>
+          </a:stretch>
+        </p:blipFill>
+        <p:spPr>
+          <a:xfrm>
+            <a:off x="545997" y="4435473"/>
+            <a:ext cx="1123950" cy="523875"/>
+          </a:xfrm>
+          <a:prstGeom prst="rect">
+            <a:avLst/>
+          </a:prstGeom>
+        </p:spPr>
+      </p:pic>
+      <p:pic>
+        <p:nvPicPr>
+          <p:cNvPr id="31" name="Graphic 30"/>
+          <p:cNvPicPr>
+            <a:picLocks noChangeAspect="1"/>
+          </p:cNvPicPr>
+          <p:nvPr/>
+        </p:nvPicPr>
+        <p:blipFill>
+          <a:blip r:embed="rId9" cstate="screen">
+            <a:extLst>
+              <a:ext uri="{28A0092B-C50C-407E-A947-70E740481C1C}">
+                <a14:useLocalDpi xmlns:a14="http://schemas.microsoft.com/office/drawing/2010/main"/>
+              </a:ext>
+              <a:ext uri="{96DAC541-7B7A-43D3-8B79-37D633B846F1}">
+                <asvg:svgBlip xmlns:asvg="http://schemas.microsoft.com/office/drawing/2016/SVG/main" r:embed="rId10"/>
+              </a:ext>
+            </a:extLst>
+          </a:blip>
+          <a:stretch>
+            <a:fillRect/>
+          </a:stretch>
+        </p:blipFill>
+        <p:spPr>
+          <a:xfrm>
+            <a:off x="10952708" y="480208"/>
+            <a:ext cx="895350" cy="609600"/>
+          </a:xfrm>
+          <a:prstGeom prst="rect">
+            <a:avLst/>
+          </a:prstGeom>
+        </p:spPr>
+      </p:pic>
+      <p:sp>
+        <p:nvSpPr>
+          <p:cNvPr id="13" name="Rectangle 12">
+            <a:extLst>
+              <a:ext uri="{FF2B5EF4-FFF2-40B4-BE49-F238E27FC236}">
+                <a16:creationId xmlns:a16="http://schemas.microsoft.com/office/drawing/2014/main" id="{7BBC993E-39C4-40B7-A3B4-7AFC62D7BE85}"/>
+              </a:ext>
+            </a:extLst>
+          </p:cNvPr>
+          <p:cNvSpPr/>
+          <p:nvPr/>
+        </p:nvSpPr>
+        <p:spPr bwMode="auto">
+          <a:xfrm>
+            <a:off x="2222838" y="5186883"/>
+            <a:ext cx="9624636" cy="1742045"/>
+          </a:xfrm>
+          <a:prstGeom prst="rect">
+            <a:avLst/>
+          </a:prstGeom>
+          <a:noFill/>
+          <a:ln w="3175" cap="flat" cmpd="sng" algn="ctr">
+            <a:noFill/>
+            <a:prstDash val="solid"/>
+            <a:headEnd type="none" w="med" len="med"/>
+            <a:tailEnd type="none" w="med" len="med"/>
+          </a:ln>
+          <a:effectLst/>
+        </p:spPr>
+        <p:txBody>
+          <a:bodyPr rot="0" spcFirstLastPara="0" vertOverflow="overflow" horzOverflow="overflow" vert="horz" wrap="square" lIns="179285" tIns="44821" rIns="89642" bIns="44821" numCol="1" spcCol="0" rtlCol="0" fromWordArt="0" anchor="ctr" anchorCtr="0" forceAA="0" compatLnSpc="1">
+            <a:prstTxWarp prst="textNoShape">
+              <a:avLst/>
+            </a:prstTxWarp>
+            <a:noAutofit/>
+          </a:bodyPr>
+          <a:lstStyle/>
+          <a:p>
+            <a:pPr marL="0" marR="0" lvl="0" indent="0" defTabSz="914367" eaLnBrk="1" fontAlgn="auto" latinLnBrk="0" hangingPunct="1">
+              <a:lnSpc>
+                <a:spcPct val="100000"/>
+              </a:lnSpc>
+              <a:spcBef>
+                <a:spcPts val="294"/>
+              </a:spcBef>
+              <a:spcAft>
+                <a:spcPts val="588"/>
+              </a:spcAft>
+              <a:buClr>
+                <a:srgbClr val="0078D7"/>
+              </a:buClr>
+              <a:buSzPct val="100000"/>
+              <a:buFontTx/>
+              <a:buNone/>
+              <a:tabLst/>
+              <a:defRPr/>
+            </a:pPr>
+            <a:r>
+              <a:rPr kumimoji="0" lang="en-US" sz="2000" b="0" i="0" u="none" strike="noStrike" kern="0" cap="none" spc="0" normalizeH="0" baseline="0" noProof="0" dirty="0">
+                <a:ln>
+                  <a:noFill/>
+                </a:ln>
+                <a:solidFill>
+                  <a:srgbClr val="0078D7"/>
+                </a:solidFill>
+                <a:effectLst/>
+                <a:uLnTx/>
+                <a:uFillTx/>
+                <a:latin typeface="Segoe UI Light"/>
+                <a:ea typeface="+mn-ea"/>
+                <a:cs typeface="+mn-cs"/>
+              </a:rPr>
+              <a:t>External firewall recommended</a:t>
+            </a:r>
+          </a:p>
+          <a:p>
+            <a:pPr marL="228600" marR="0" lvl="1" indent="-228600" defTabSz="914367" eaLnBrk="1" fontAlgn="auto" latinLnBrk="0" hangingPunct="1">
+              <a:lnSpc>
+                <a:spcPct val="100000"/>
+              </a:lnSpc>
+              <a:spcBef>
+                <a:spcPts val="294"/>
+              </a:spcBef>
+              <a:spcAft>
+                <a:spcPts val="588"/>
+              </a:spcAft>
+              <a:buClr>
+                <a:srgbClr val="505050"/>
+              </a:buClr>
+              <a:buSzPct val="100000"/>
+              <a:buFont typeface="Arial" panose="020B0604020202020204" pitchFamily="34" charset="0"/>
+              <a:buChar char="•"/>
+              <a:tabLst/>
+              <a:defRPr/>
+            </a:pPr>
+            <a:r>
+              <a:rPr kumimoji="0" lang="en-US" sz="1800" b="0" i="0" u="none" strike="noStrike" kern="0" cap="none" spc="0" normalizeH="0" baseline="0" noProof="0" dirty="0">
+                <a:ln>
+                  <a:noFill/>
+                </a:ln>
+                <a:solidFill>
+                  <a:srgbClr val="505050"/>
+                </a:solidFill>
+                <a:effectLst/>
+                <a:uLnTx/>
+                <a:uFillTx/>
+                <a:latin typeface="Segoe UI Light"/>
+                <a:ea typeface="+mn-ea"/>
+                <a:cs typeface="+mn-cs"/>
+              </a:rPr>
+              <a:t>Between Azure Stack Hub and Internet</a:t>
+            </a:r>
+          </a:p>
+          <a:p>
+            <a:pPr marL="228600" marR="0" lvl="1" indent="-228600" defTabSz="914367" eaLnBrk="1" fontAlgn="auto" latinLnBrk="0" hangingPunct="1">
+              <a:lnSpc>
+                <a:spcPct val="100000"/>
+              </a:lnSpc>
+              <a:spcBef>
+                <a:spcPts val="294"/>
+              </a:spcBef>
+              <a:spcAft>
+                <a:spcPts val="588"/>
+              </a:spcAft>
+              <a:buClr>
+                <a:srgbClr val="505050"/>
+              </a:buClr>
+              <a:buSzPct val="100000"/>
+              <a:buFont typeface="Arial" panose="020B0604020202020204" pitchFamily="34" charset="0"/>
+              <a:buChar char="•"/>
+              <a:tabLst/>
+              <a:defRPr/>
+            </a:pPr>
+            <a:r>
+              <a:rPr lang="en-US" kern="0" dirty="0">
+                <a:solidFill>
+                  <a:srgbClr val="505050"/>
+                </a:solidFill>
+                <a:latin typeface="Segoe UI Light"/>
+              </a:rPr>
+              <a:t>Protect against unwanted incoming traffic</a:t>
+            </a:r>
+            <a:endParaRPr kumimoji="0" lang="en-US" sz="1800" b="0" i="0" u="none" strike="noStrike" kern="0" cap="none" spc="0" normalizeH="0" baseline="0" noProof="0" dirty="0">
+              <a:ln>
+                <a:noFill/>
+              </a:ln>
+              <a:solidFill>
+                <a:srgbClr val="505050"/>
+              </a:solidFill>
+              <a:effectLst/>
+              <a:uLnTx/>
+              <a:uFillTx/>
+              <a:latin typeface="Segoe UI Light"/>
+              <a:ea typeface="+mn-ea"/>
+              <a:cs typeface="+mn-cs"/>
+            </a:endParaRPr>
+          </a:p>
+        </p:txBody>
+      </p:sp>
+      <p:cxnSp>
+        <p:nvCxnSpPr>
+          <p:cNvPr id="14" name="Straight Connector 13">
+            <a:extLst>
+              <a:ext uri="{FF2B5EF4-FFF2-40B4-BE49-F238E27FC236}">
+                <a16:creationId xmlns:a16="http://schemas.microsoft.com/office/drawing/2014/main" id="{697DB2D8-7AC1-4E9B-88A0-269F3B55B602}"/>
+              </a:ext>
+            </a:extLst>
+          </p:cNvPr>
+          <p:cNvCxnSpPr>
+            <a:cxnSpLocks/>
+          </p:cNvCxnSpPr>
+          <p:nvPr/>
+        </p:nvCxnSpPr>
+        <p:spPr>
+          <a:xfrm>
+            <a:off x="2074959" y="5505046"/>
+            <a:ext cx="0" cy="1105717"/>
+          </a:xfrm>
+          <a:prstGeom prst="line">
+            <a:avLst/>
+          </a:prstGeom>
+          <a:noFill/>
+          <a:ln w="15875" cap="flat" cmpd="sng" algn="ctr">
+            <a:solidFill>
+              <a:srgbClr val="FFFFFF">
+                <a:lumMod val="85000"/>
+              </a:srgbClr>
+            </a:solidFill>
+            <a:prstDash val="solid"/>
+            <a:headEnd type="none"/>
+            <a:tailEnd type="none"/>
+          </a:ln>
+          <a:effectLst/>
+        </p:spPr>
+      </p:cxnSp>
+      <p:pic>
+        <p:nvPicPr>
+          <p:cNvPr id="4" name="Graphic 3" descr="Raised Hand">
+            <a:extLst>
+              <a:ext uri="{FF2B5EF4-FFF2-40B4-BE49-F238E27FC236}">
+                <a16:creationId xmlns:a16="http://schemas.microsoft.com/office/drawing/2014/main" id="{C0E952D8-A20F-4D06-92AD-841C680B0BC8}"/>
+              </a:ext>
+            </a:extLst>
+          </p:cNvPr>
+          <p:cNvPicPr>
+            <a:picLocks noChangeAspect="1"/>
+          </p:cNvPicPr>
+          <p:nvPr/>
+        </p:nvPicPr>
+        <p:blipFill>
+          <a:blip r:embed="rId11">
+            <a:extLst>
+              <a:ext uri="{28A0092B-C50C-407E-A947-70E740481C1C}">
+                <a14:useLocalDpi xmlns:a14="http://schemas.microsoft.com/office/drawing/2010/main" val="0"/>
+              </a:ext>
+              <a:ext uri="{96DAC541-7B7A-43D3-8B79-37D633B846F1}">
+                <asvg:svgBlip xmlns:asvg="http://schemas.microsoft.com/office/drawing/2016/SVG/main" r:embed="rId12"/>
+              </a:ext>
+            </a:extLst>
+          </a:blip>
+          <a:stretch>
+            <a:fillRect/>
+          </a:stretch>
+        </p:blipFill>
+        <p:spPr>
+          <a:xfrm>
+            <a:off x="684328" y="5536383"/>
+            <a:ext cx="914400" cy="914400"/>
+          </a:xfrm>
+          <a:prstGeom prst="rect">
+            <a:avLst/>
+          </a:prstGeom>
+        </p:spPr>
+      </p:pic>
+    </p:spTree>
+    <p:extLst>
+      <p:ext uri="{BB962C8B-B14F-4D97-AF65-F5344CB8AC3E}">
+        <p14:creationId xmlns:p14="http://schemas.microsoft.com/office/powerpoint/2010/main" val="754175310"/>
       </p:ext>
     </p:extLst>
   </p:cSld>
@@ -29050,1056 +29997,6 @@
 <file path=ppt/slides/slide20.xml><?xml version="1.0" encoding="utf-8"?>
 <p:sld xmlns:a="http://schemas.openxmlformats.org/drawingml/2006/main" xmlns:r="http://schemas.openxmlformats.org/officeDocument/2006/relationships" xmlns:p="http://schemas.openxmlformats.org/presentationml/2006/main">
   <p:cSld>
-    <p:spTree>
-      <p:nvGrpSpPr>
-        <p:cNvPr id="1" name=""/>
-        <p:cNvGrpSpPr/>
-        <p:nvPr/>
-      </p:nvGrpSpPr>
-      <p:grpSpPr>
-        <a:xfrm>
-          <a:off x="0" y="0"/>
-          <a:ext cx="0" cy="0"/>
-          <a:chOff x="0" y="0"/>
-          <a:chExt cx="0" cy="0"/>
-        </a:xfrm>
-      </p:grpSpPr>
-      <p:sp>
-        <p:nvSpPr>
-          <p:cNvPr id="17" name="Title 1"/>
-          <p:cNvSpPr txBox="1">
-            <a:spLocks/>
-          </p:cNvSpPr>
-          <p:nvPr/>
-        </p:nvSpPr>
-        <p:spPr>
-          <a:xfrm>
-            <a:off x="269240" y="289511"/>
-            <a:ext cx="11655840" cy="899665"/>
-          </a:xfrm>
-          <a:prstGeom prst="rect">
-            <a:avLst/>
-          </a:prstGeom>
-        </p:spPr>
-        <p:txBody>
-          <a:bodyPr vert="horz" wrap="square" lIns="146304" tIns="91440" rIns="146304" bIns="91440" rtlCol="0" anchor="t">
-            <a:noAutofit/>
-          </a:bodyPr>
-          <a:lstStyle>
-            <a:lvl1pPr algn="l" defTabSz="932742" rtl="0" eaLnBrk="1" latinLnBrk="0" hangingPunct="1">
-              <a:lnSpc>
-                <a:spcPct val="90000"/>
-              </a:lnSpc>
-              <a:spcBef>
-                <a:spcPct val="0"/>
-              </a:spcBef>
-              <a:buNone/>
-              <a:defRPr lang="en-US" sz="4800" b="0" kern="1200" cap="none" spc="-102" baseline="0">
-                <a:ln w="3175">
-                  <a:noFill/>
-                </a:ln>
-                <a:solidFill>
-                  <a:srgbClr val="0078D7"/>
-                </a:solidFill>
-                <a:effectLst/>
-                <a:latin typeface="+mj-lt"/>
-                <a:ea typeface="+mn-ea"/>
-                <a:cs typeface="Segoe UI" pitchFamily="34" charset="0"/>
-              </a:defRPr>
-            </a:lvl1pPr>
-          </a:lstStyle>
-          <a:p>
-            <a:pPr marL="0" marR="0" lvl="0" indent="0" algn="l" defTabSz="932742" rtl="0" eaLnBrk="1" fontAlgn="auto" latinLnBrk="0" hangingPunct="1">
-              <a:lnSpc>
-                <a:spcPct val="90000"/>
-              </a:lnSpc>
-              <a:spcBef>
-                <a:spcPct val="0"/>
-              </a:spcBef>
-              <a:spcAft>
-                <a:spcPts val="0"/>
-              </a:spcAft>
-              <a:buClrTx/>
-              <a:buSzTx/>
-              <a:buFontTx/>
-              <a:buNone/>
-              <a:tabLst/>
-              <a:defRPr/>
-            </a:pPr>
-            <a:r>
-              <a:rPr kumimoji="0" lang="en-US" sz="4800" b="0" i="0" u="none" strike="noStrike" kern="1200" cap="none" spc="-102" normalizeH="0" baseline="0" noProof="0" dirty="0">
-                <a:ln w="3175">
-                  <a:noFill/>
-                </a:ln>
-                <a:solidFill>
-                  <a:srgbClr val="505050"/>
-                </a:solidFill>
-                <a:effectLst/>
-                <a:uLnTx/>
-                <a:uFillTx/>
-                <a:latin typeface="Segoe UI Light"/>
-                <a:ea typeface="+mn-ea"/>
-                <a:cs typeface="Segoe UI" pitchFamily="34" charset="0"/>
-              </a:rPr>
-              <a:t>Networking integration considerations</a:t>
-            </a:r>
-          </a:p>
-        </p:txBody>
-      </p:sp>
-      <p:sp>
-        <p:nvSpPr>
-          <p:cNvPr id="18" name="Rectangle 17"/>
-          <p:cNvSpPr/>
-          <p:nvPr/>
-        </p:nvSpPr>
-        <p:spPr bwMode="auto">
-          <a:xfrm>
-            <a:off x="2222838" y="903941"/>
-            <a:ext cx="9625221" cy="1741181"/>
-          </a:xfrm>
-          <a:prstGeom prst="rect">
-            <a:avLst/>
-          </a:prstGeom>
-          <a:noFill/>
-          <a:ln w="3175" cap="flat" cmpd="sng" algn="ctr">
-            <a:noFill/>
-            <a:prstDash val="solid"/>
-            <a:headEnd type="none" w="med" len="med"/>
-            <a:tailEnd type="none" w="med" len="med"/>
-          </a:ln>
-          <a:effectLst/>
-        </p:spPr>
-        <p:txBody>
-          <a:bodyPr rot="0" spcFirstLastPara="0" vertOverflow="overflow" horzOverflow="overflow" vert="horz" wrap="square" lIns="179285" tIns="44821" rIns="89642" bIns="44821" numCol="1" spcCol="0" rtlCol="0" fromWordArt="0" anchor="ctr" anchorCtr="0" forceAA="0" compatLnSpc="1">
-            <a:prstTxWarp prst="textNoShape">
-              <a:avLst/>
-            </a:prstTxWarp>
-            <a:noAutofit/>
-          </a:bodyPr>
-          <a:lstStyle/>
-          <a:p>
-            <a:pPr marL="0" marR="0" lvl="0" indent="0" defTabSz="914367" eaLnBrk="1" fontAlgn="auto" latinLnBrk="0" hangingPunct="1">
-              <a:lnSpc>
-                <a:spcPct val="100000"/>
-              </a:lnSpc>
-              <a:spcBef>
-                <a:spcPts val="294"/>
-              </a:spcBef>
-              <a:spcAft>
-                <a:spcPts val="588"/>
-              </a:spcAft>
-              <a:buClr>
-                <a:srgbClr val="0078D7"/>
-              </a:buClr>
-              <a:buSzPct val="100000"/>
-              <a:buFontTx/>
-              <a:buNone/>
-              <a:tabLst/>
-              <a:defRPr/>
-            </a:pPr>
-            <a:r>
-              <a:rPr kumimoji="0" lang="en-US" sz="2000" b="0" i="0" u="none" strike="noStrike" kern="0" cap="none" spc="0" normalizeH="0" baseline="0" noProof="0" dirty="0">
-                <a:ln>
-                  <a:noFill/>
-                </a:ln>
-                <a:solidFill>
-                  <a:srgbClr val="0078D7"/>
-                </a:solidFill>
-                <a:effectLst/>
-                <a:uLnTx/>
-                <a:uFillTx/>
-                <a:latin typeface="Segoe UI Light"/>
-                <a:ea typeface="+mn-ea"/>
-                <a:cs typeface="+mn-cs"/>
-              </a:rPr>
-              <a:t>Time server specified at deployment but also used for physical network switches:</a:t>
-            </a:r>
-          </a:p>
-          <a:p>
-            <a:pPr marL="284163" marR="0" lvl="1" indent="-284163" defTabSz="914367" eaLnBrk="1" fontAlgn="auto" latinLnBrk="0" hangingPunct="1">
-              <a:lnSpc>
-                <a:spcPct val="100000"/>
-              </a:lnSpc>
-              <a:spcBef>
-                <a:spcPts val="294"/>
-              </a:spcBef>
-              <a:spcAft>
-                <a:spcPts val="588"/>
-              </a:spcAft>
-              <a:buClr>
-                <a:srgbClr val="505050"/>
-              </a:buClr>
-              <a:buSzPct val="100000"/>
-              <a:buFont typeface="Arial" panose="020B0604020202020204" pitchFamily="34" charset="0"/>
-              <a:buChar char="•"/>
-              <a:tabLst/>
-              <a:defRPr/>
-            </a:pPr>
-            <a:r>
-              <a:rPr kumimoji="0" lang="en-US" sz="1800" b="0" i="0" u="none" strike="noStrike" kern="0" cap="none" spc="0" normalizeH="0" baseline="0" noProof="0" dirty="0">
-                <a:ln>
-                  <a:noFill/>
-                </a:ln>
-                <a:solidFill>
-                  <a:srgbClr val="505050"/>
-                </a:solidFill>
-                <a:effectLst/>
-                <a:uLnTx/>
-                <a:uFillTx/>
-                <a:latin typeface="Segoe UI Light"/>
-                <a:ea typeface="+mn-ea"/>
-                <a:cs typeface="+mn-cs"/>
-              </a:rPr>
-              <a:t>Time across all infrastructure elements is key</a:t>
-            </a:r>
-          </a:p>
-          <a:p>
-            <a:pPr marL="284163" marR="0" lvl="1" indent="-284163" defTabSz="914367" eaLnBrk="1" fontAlgn="auto" latinLnBrk="0" hangingPunct="1">
-              <a:lnSpc>
-                <a:spcPct val="100000"/>
-              </a:lnSpc>
-              <a:spcBef>
-                <a:spcPts val="294"/>
-              </a:spcBef>
-              <a:spcAft>
-                <a:spcPts val="588"/>
-              </a:spcAft>
-              <a:buClr>
-                <a:srgbClr val="505050"/>
-              </a:buClr>
-              <a:buSzPct val="100000"/>
-              <a:buFont typeface="Arial" panose="020B0604020202020204" pitchFamily="34" charset="0"/>
-              <a:buChar char="•"/>
-              <a:tabLst/>
-              <a:defRPr/>
-            </a:pPr>
-            <a:r>
-              <a:rPr kumimoji="0" lang="en-US" sz="1800" b="0" i="0" u="none" strike="noStrike" kern="0" cap="none" spc="0" normalizeH="0" baseline="0" noProof="0" dirty="0">
-                <a:ln>
-                  <a:noFill/>
-                </a:ln>
-                <a:solidFill>
-                  <a:srgbClr val="505050"/>
-                </a:solidFill>
-                <a:effectLst/>
-                <a:uLnTx/>
-                <a:uFillTx/>
-                <a:latin typeface="Segoe UI Light"/>
-                <a:ea typeface="+mn-ea"/>
-                <a:cs typeface="+mn-cs"/>
-              </a:rPr>
-              <a:t>This time is propagated to the whole solution (including user VMs)</a:t>
-            </a:r>
-          </a:p>
-        </p:txBody>
-      </p:sp>
-      <p:sp>
-        <p:nvSpPr>
-          <p:cNvPr id="19" name="Rectangle 18"/>
-          <p:cNvSpPr/>
-          <p:nvPr/>
-        </p:nvSpPr>
-        <p:spPr bwMode="auto">
-          <a:xfrm>
-            <a:off x="2223422" y="2339678"/>
-            <a:ext cx="9624636" cy="1742045"/>
-          </a:xfrm>
-          <a:prstGeom prst="rect">
-            <a:avLst/>
-          </a:prstGeom>
-          <a:noFill/>
-          <a:ln w="3175" cap="flat" cmpd="sng" algn="ctr">
-            <a:noFill/>
-            <a:prstDash val="solid"/>
-            <a:headEnd type="none" w="med" len="med"/>
-            <a:tailEnd type="none" w="med" len="med"/>
-          </a:ln>
-          <a:effectLst/>
-        </p:spPr>
-        <p:txBody>
-          <a:bodyPr rot="0" spcFirstLastPara="0" vertOverflow="overflow" horzOverflow="overflow" vert="horz" wrap="square" lIns="179285" tIns="44821" rIns="89642" bIns="44821" numCol="1" spcCol="0" rtlCol="0" fromWordArt="0" anchor="ctr" anchorCtr="0" forceAA="0" compatLnSpc="1">
-            <a:prstTxWarp prst="textNoShape">
-              <a:avLst/>
-            </a:prstTxWarp>
-            <a:noAutofit/>
-          </a:bodyPr>
-          <a:lstStyle/>
-          <a:p>
-            <a:pPr marL="0" marR="0" lvl="0" indent="0" defTabSz="914367" eaLnBrk="1" fontAlgn="auto" latinLnBrk="0" hangingPunct="1">
-              <a:lnSpc>
-                <a:spcPct val="100000"/>
-              </a:lnSpc>
-              <a:spcBef>
-                <a:spcPts val="294"/>
-              </a:spcBef>
-              <a:spcAft>
-                <a:spcPts val="588"/>
-              </a:spcAft>
-              <a:buClr>
-                <a:srgbClr val="0078D7"/>
-              </a:buClr>
-              <a:buSzPct val="100000"/>
-              <a:buFontTx/>
-              <a:buNone/>
-              <a:tabLst/>
-              <a:defRPr/>
-            </a:pPr>
-            <a:r>
-              <a:rPr kumimoji="0" lang="en-US" sz="2000" b="0" i="0" u="none" strike="noStrike" kern="0" cap="none" spc="0" normalizeH="0" baseline="0" noProof="0" dirty="0">
-                <a:ln>
-                  <a:noFill/>
-                </a:ln>
-                <a:solidFill>
-                  <a:srgbClr val="0078D7"/>
-                </a:solidFill>
-                <a:effectLst/>
-                <a:uLnTx/>
-                <a:uFillTx/>
-                <a:latin typeface="Segoe UI Light"/>
-                <a:ea typeface="+mn-ea"/>
-                <a:cs typeface="+mn-cs"/>
-              </a:rPr>
-              <a:t>Supports existing logging infrastructure for:</a:t>
-            </a:r>
-          </a:p>
-          <a:p>
-            <a:pPr marL="228600" marR="0" lvl="1" indent="-228600" defTabSz="914367" eaLnBrk="1" fontAlgn="auto" latinLnBrk="0" hangingPunct="1">
-              <a:lnSpc>
-                <a:spcPct val="100000"/>
-              </a:lnSpc>
-              <a:spcBef>
-                <a:spcPts val="294"/>
-              </a:spcBef>
-              <a:spcAft>
-                <a:spcPts val="588"/>
-              </a:spcAft>
-              <a:buClr>
-                <a:srgbClr val="505050"/>
-              </a:buClr>
-              <a:buSzPct val="100000"/>
-              <a:buFont typeface="Arial" panose="020B0604020202020204" pitchFamily="34" charset="0"/>
-              <a:buChar char="•"/>
-              <a:tabLst/>
-              <a:defRPr/>
-            </a:pPr>
-            <a:r>
-              <a:rPr kumimoji="0" lang="en-US" sz="1800" b="0" i="0" u="none" strike="noStrike" kern="0" cap="none" spc="0" normalizeH="0" baseline="0" noProof="0" dirty="0">
-                <a:ln>
-                  <a:noFill/>
-                </a:ln>
-                <a:solidFill>
-                  <a:srgbClr val="505050"/>
-                </a:solidFill>
-                <a:effectLst/>
-                <a:uLnTx/>
-                <a:uFillTx/>
-                <a:latin typeface="Segoe UI Light"/>
-                <a:ea typeface="+mn-ea"/>
-                <a:cs typeface="+mn-cs"/>
-              </a:rPr>
-              <a:t>Physical network switches</a:t>
-            </a:r>
-          </a:p>
-          <a:p>
-            <a:pPr marL="228600" marR="0" lvl="1" indent="-228600" defTabSz="914367" eaLnBrk="1" fontAlgn="auto" latinLnBrk="0" hangingPunct="1">
-              <a:lnSpc>
-                <a:spcPct val="100000"/>
-              </a:lnSpc>
-              <a:spcBef>
-                <a:spcPts val="294"/>
-              </a:spcBef>
-              <a:spcAft>
-                <a:spcPts val="588"/>
-              </a:spcAft>
-              <a:buClr>
-                <a:srgbClr val="505050"/>
-              </a:buClr>
-              <a:buSzPct val="100000"/>
-              <a:buFont typeface="Arial" panose="020B0604020202020204" pitchFamily="34" charset="0"/>
-              <a:buChar char="•"/>
-              <a:tabLst/>
-              <a:defRPr/>
-            </a:pPr>
-            <a:r>
-              <a:rPr kumimoji="0" lang="en-US" sz="1800" b="0" i="0" u="none" strike="noStrike" kern="0" cap="none" spc="0" normalizeH="0" baseline="0" noProof="0" dirty="0">
-                <a:ln>
-                  <a:noFill/>
-                </a:ln>
-                <a:solidFill>
-                  <a:srgbClr val="505050"/>
-                </a:solidFill>
-                <a:effectLst/>
-                <a:uLnTx/>
-                <a:uFillTx/>
-                <a:latin typeface="Segoe UI Light"/>
-                <a:ea typeface="+mn-ea"/>
-                <a:cs typeface="+mn-cs"/>
-              </a:rPr>
-              <a:t>Baseboard management controller</a:t>
-            </a:r>
-          </a:p>
-          <a:p>
-            <a:pPr marL="228600" marR="0" lvl="1" indent="-228600" defTabSz="914367" eaLnBrk="1" fontAlgn="auto" latinLnBrk="0" hangingPunct="1">
-              <a:lnSpc>
-                <a:spcPct val="100000"/>
-              </a:lnSpc>
-              <a:spcBef>
-                <a:spcPts val="294"/>
-              </a:spcBef>
-              <a:spcAft>
-                <a:spcPts val="588"/>
-              </a:spcAft>
-              <a:buClr>
-                <a:srgbClr val="505050"/>
-              </a:buClr>
-              <a:buSzPct val="100000"/>
-              <a:buFont typeface="Arial" panose="020B0604020202020204" pitchFamily="34" charset="0"/>
-              <a:buChar char="•"/>
-              <a:tabLst/>
-              <a:defRPr/>
-            </a:pPr>
-            <a:r>
-              <a:rPr kumimoji="0" lang="en-US" sz="1800" b="0" i="0" u="none" strike="noStrike" kern="0" cap="none" spc="0" normalizeH="0" baseline="0" noProof="0" dirty="0">
-                <a:ln>
-                  <a:noFill/>
-                </a:ln>
-                <a:solidFill>
-                  <a:srgbClr val="505050"/>
-                </a:solidFill>
-                <a:effectLst/>
-                <a:uLnTx/>
-                <a:uFillTx/>
-                <a:latin typeface="Segoe UI Light"/>
-                <a:ea typeface="+mn-ea"/>
-                <a:cs typeface="+mn-cs"/>
-              </a:rPr>
-              <a:t>OEM tools</a:t>
-            </a:r>
-          </a:p>
-        </p:txBody>
-      </p:sp>
-      <p:sp>
-        <p:nvSpPr>
-          <p:cNvPr id="21" name="Rectangle 20"/>
-          <p:cNvSpPr/>
-          <p:nvPr/>
-        </p:nvSpPr>
-        <p:spPr bwMode="auto">
-          <a:xfrm>
-            <a:off x="2223422" y="3825936"/>
-            <a:ext cx="9624636" cy="1742045"/>
-          </a:xfrm>
-          <a:prstGeom prst="rect">
-            <a:avLst/>
-          </a:prstGeom>
-          <a:noFill/>
-          <a:ln w="3175" cap="flat" cmpd="sng" algn="ctr">
-            <a:noFill/>
-            <a:prstDash val="solid"/>
-            <a:headEnd type="none" w="med" len="med"/>
-            <a:tailEnd type="none" w="med" len="med"/>
-          </a:ln>
-          <a:effectLst/>
-        </p:spPr>
-        <p:txBody>
-          <a:bodyPr rot="0" spcFirstLastPara="0" vertOverflow="overflow" horzOverflow="overflow" vert="horz" wrap="square" lIns="179285" tIns="44821" rIns="89642" bIns="44821" numCol="1" spcCol="0" rtlCol="0" fromWordArt="0" anchor="ctr" anchorCtr="0" forceAA="0" compatLnSpc="1">
-            <a:prstTxWarp prst="textNoShape">
-              <a:avLst/>
-            </a:prstTxWarp>
-            <a:noAutofit/>
-          </a:bodyPr>
-          <a:lstStyle/>
-          <a:p>
-            <a:pPr marL="0" marR="0" lvl="0" indent="0" defTabSz="914367" eaLnBrk="1" fontAlgn="auto" latinLnBrk="0" hangingPunct="1">
-              <a:lnSpc>
-                <a:spcPct val="100000"/>
-              </a:lnSpc>
-              <a:spcBef>
-                <a:spcPts val="294"/>
-              </a:spcBef>
-              <a:spcAft>
-                <a:spcPts val="588"/>
-              </a:spcAft>
-              <a:buClr>
-                <a:srgbClr val="0078D7"/>
-              </a:buClr>
-              <a:buSzPct val="100000"/>
-              <a:buFontTx/>
-              <a:buNone/>
-              <a:tabLst/>
-              <a:defRPr/>
-            </a:pPr>
-            <a:r>
-              <a:rPr kumimoji="0" lang="en-US" sz="2000" b="0" i="0" u="none" strike="noStrike" kern="0" cap="none" spc="0" normalizeH="0" baseline="0" noProof="0" dirty="0">
-                <a:ln>
-                  <a:noFill/>
-                </a:ln>
-                <a:solidFill>
-                  <a:srgbClr val="0078D7"/>
-                </a:solidFill>
-                <a:effectLst/>
-                <a:uLnTx/>
-                <a:uFillTx/>
-                <a:latin typeface="Segoe UI Light"/>
-                <a:ea typeface="+mn-ea"/>
-                <a:cs typeface="+mn-cs"/>
-              </a:rPr>
-              <a:t>Supports existing infrastructure of:</a:t>
-            </a:r>
-          </a:p>
-          <a:p>
-            <a:pPr marL="228600" marR="0" lvl="1" indent="-228600" defTabSz="914367" eaLnBrk="1" fontAlgn="auto" latinLnBrk="0" hangingPunct="1">
-              <a:lnSpc>
-                <a:spcPct val="100000"/>
-              </a:lnSpc>
-              <a:spcBef>
-                <a:spcPts val="294"/>
-              </a:spcBef>
-              <a:spcAft>
-                <a:spcPts val="588"/>
-              </a:spcAft>
-              <a:buClr>
-                <a:srgbClr val="505050"/>
-              </a:buClr>
-              <a:buSzPct val="100000"/>
-              <a:buFont typeface="Arial" panose="020B0604020202020204" pitchFamily="34" charset="0"/>
-              <a:buChar char="•"/>
-              <a:tabLst/>
-              <a:defRPr/>
-            </a:pPr>
-            <a:r>
-              <a:rPr kumimoji="0" lang="en-US" sz="1800" b="0" i="0" u="none" strike="noStrike" kern="0" cap="none" spc="0" normalizeH="0" baseline="0" noProof="0" dirty="0">
-                <a:ln>
-                  <a:noFill/>
-                </a:ln>
-                <a:solidFill>
-                  <a:srgbClr val="505050"/>
-                </a:solidFill>
-                <a:effectLst/>
-                <a:uLnTx/>
-                <a:uFillTx/>
-                <a:latin typeface="Segoe UI Light"/>
-                <a:ea typeface="+mn-ea"/>
-                <a:cs typeface="+mn-cs"/>
-              </a:rPr>
-              <a:t>Radius with MSCHAPv2</a:t>
-            </a:r>
-          </a:p>
-          <a:p>
-            <a:pPr marL="228600" marR="0" lvl="1" indent="-228600" defTabSz="914367" eaLnBrk="1" fontAlgn="auto" latinLnBrk="0" hangingPunct="1">
-              <a:lnSpc>
-                <a:spcPct val="100000"/>
-              </a:lnSpc>
-              <a:spcBef>
-                <a:spcPts val="294"/>
-              </a:spcBef>
-              <a:spcAft>
-                <a:spcPts val="588"/>
-              </a:spcAft>
-              <a:buClr>
-                <a:srgbClr val="505050"/>
-              </a:buClr>
-              <a:buSzPct val="100000"/>
-              <a:buFont typeface="Arial" panose="020B0604020202020204" pitchFamily="34" charset="0"/>
-              <a:buChar char="•"/>
-              <a:tabLst/>
-              <a:defRPr/>
-            </a:pPr>
-            <a:r>
-              <a:rPr kumimoji="0" lang="en-US" sz="1800" b="0" i="0" u="none" strike="noStrike" kern="0" cap="none" spc="0" normalizeH="0" baseline="0" noProof="0" dirty="0">
-                <a:ln>
-                  <a:noFill/>
-                </a:ln>
-                <a:solidFill>
-                  <a:srgbClr val="505050"/>
-                </a:solidFill>
-                <a:effectLst/>
-                <a:uLnTx/>
-                <a:uFillTx/>
-                <a:latin typeface="Segoe UI Light"/>
-                <a:ea typeface="+mn-ea"/>
-                <a:cs typeface="+mn-cs"/>
-              </a:rPr>
-              <a:t>TACACS</a:t>
-            </a:r>
-          </a:p>
-        </p:txBody>
-      </p:sp>
-      <p:cxnSp>
-        <p:nvCxnSpPr>
-          <p:cNvPr id="24" name="Straight Connector 23"/>
-          <p:cNvCxnSpPr>
-            <a:cxnSpLocks/>
-          </p:cNvCxnSpPr>
-          <p:nvPr/>
-        </p:nvCxnSpPr>
-        <p:spPr>
-          <a:xfrm>
-            <a:off x="2075543" y="1221672"/>
-            <a:ext cx="0" cy="1105717"/>
-          </a:xfrm>
-          <a:prstGeom prst="line">
-            <a:avLst/>
-          </a:prstGeom>
-          <a:noFill/>
-          <a:ln w="15875" cap="flat" cmpd="sng" algn="ctr">
-            <a:solidFill>
-              <a:srgbClr val="FFFFFF">
-                <a:lumMod val="85000"/>
-              </a:srgbClr>
-            </a:solidFill>
-            <a:prstDash val="solid"/>
-            <a:headEnd type="none"/>
-            <a:tailEnd type="none"/>
-          </a:ln>
-          <a:effectLst/>
-        </p:spPr>
-      </p:cxnSp>
-      <p:cxnSp>
-        <p:nvCxnSpPr>
-          <p:cNvPr id="26" name="Straight Connector 25"/>
-          <p:cNvCxnSpPr>
-            <a:cxnSpLocks/>
-          </p:cNvCxnSpPr>
-          <p:nvPr/>
-        </p:nvCxnSpPr>
-        <p:spPr>
-          <a:xfrm>
-            <a:off x="2075543" y="2724961"/>
-            <a:ext cx="0" cy="1105717"/>
-          </a:xfrm>
-          <a:prstGeom prst="line">
-            <a:avLst/>
-          </a:prstGeom>
-          <a:noFill/>
-          <a:ln w="15875" cap="flat" cmpd="sng" algn="ctr">
-            <a:solidFill>
-              <a:srgbClr val="FFFFFF">
-                <a:lumMod val="85000"/>
-              </a:srgbClr>
-            </a:solidFill>
-            <a:prstDash val="solid"/>
-            <a:headEnd type="none"/>
-            <a:tailEnd type="none"/>
-          </a:ln>
-          <a:effectLst/>
-        </p:spPr>
-      </p:cxnSp>
-      <p:cxnSp>
-        <p:nvCxnSpPr>
-          <p:cNvPr id="27" name="Straight Connector 26"/>
-          <p:cNvCxnSpPr>
-            <a:cxnSpLocks/>
-          </p:cNvCxnSpPr>
-          <p:nvPr/>
-        </p:nvCxnSpPr>
-        <p:spPr>
-          <a:xfrm>
-            <a:off x="2075543" y="4144099"/>
-            <a:ext cx="0" cy="1105717"/>
-          </a:xfrm>
-          <a:prstGeom prst="line">
-            <a:avLst/>
-          </a:prstGeom>
-          <a:noFill/>
-          <a:ln w="15875" cap="flat" cmpd="sng" algn="ctr">
-            <a:solidFill>
-              <a:srgbClr val="FFFFFF">
-                <a:lumMod val="85000"/>
-              </a:srgbClr>
-            </a:solidFill>
-            <a:prstDash val="solid"/>
-            <a:headEnd type="none"/>
-            <a:tailEnd type="none"/>
-          </a:ln>
-          <a:effectLst/>
-        </p:spPr>
-      </p:cxnSp>
-      <p:pic>
-        <p:nvPicPr>
-          <p:cNvPr id="28" name="Graphic 27"/>
-          <p:cNvPicPr>
-            <a:picLocks noChangeAspect="1"/>
-          </p:cNvPicPr>
-          <p:nvPr/>
-        </p:nvPicPr>
-        <p:blipFill>
-          <a:blip r:embed="rId3" cstate="screen">
-            <a:extLst>
-              <a:ext uri="{28A0092B-C50C-407E-A947-70E740481C1C}">
-                <a14:useLocalDpi xmlns:a14="http://schemas.microsoft.com/office/drawing/2010/main"/>
-              </a:ext>
-              <a:ext uri="{96DAC541-7B7A-43D3-8B79-37D633B846F1}">
-                <asvg:svgBlip xmlns:asvg="http://schemas.microsoft.com/office/drawing/2016/SVG/main" r:embed="rId4"/>
-              </a:ext>
-            </a:extLst>
-          </a:blip>
-          <a:stretch>
-            <a:fillRect/>
-          </a:stretch>
-        </p:blipFill>
-        <p:spPr>
-          <a:xfrm>
-            <a:off x="600937" y="1351469"/>
-            <a:ext cx="866775" cy="819150"/>
-          </a:xfrm>
-          <a:prstGeom prst="rect">
-            <a:avLst/>
-          </a:prstGeom>
-        </p:spPr>
-      </p:pic>
-      <p:pic>
-        <p:nvPicPr>
-          <p:cNvPr id="29" name="Graphic 28"/>
-          <p:cNvPicPr>
-            <a:picLocks noChangeAspect="1"/>
-          </p:cNvPicPr>
-          <p:nvPr/>
-        </p:nvPicPr>
-        <p:blipFill>
-          <a:blip r:embed="rId5" cstate="screen">
-            <a:extLst>
-              <a:ext uri="{28A0092B-C50C-407E-A947-70E740481C1C}">
-                <a14:useLocalDpi xmlns:a14="http://schemas.microsoft.com/office/drawing/2010/main"/>
-              </a:ext>
-              <a:ext uri="{96DAC541-7B7A-43D3-8B79-37D633B846F1}">
-                <asvg:svgBlip xmlns:asvg="http://schemas.microsoft.com/office/drawing/2016/SVG/main" r:embed="rId6"/>
-              </a:ext>
-            </a:extLst>
-          </a:blip>
-          <a:stretch>
-            <a:fillRect/>
-          </a:stretch>
-        </p:blipFill>
-        <p:spPr>
-          <a:xfrm>
-            <a:off x="698616" y="2873006"/>
-            <a:ext cx="885825" cy="809625"/>
-          </a:xfrm>
-          <a:prstGeom prst="rect">
-            <a:avLst/>
-          </a:prstGeom>
-        </p:spPr>
-      </p:pic>
-      <p:pic>
-        <p:nvPicPr>
-          <p:cNvPr id="30" name="Graphic 29"/>
-          <p:cNvPicPr>
-            <a:picLocks noChangeAspect="1"/>
-          </p:cNvPicPr>
-          <p:nvPr/>
-        </p:nvPicPr>
-        <p:blipFill>
-          <a:blip r:embed="rId7" cstate="screen">
-            <a:extLst>
-              <a:ext uri="{28A0092B-C50C-407E-A947-70E740481C1C}">
-                <a14:useLocalDpi xmlns:a14="http://schemas.microsoft.com/office/drawing/2010/main"/>
-              </a:ext>
-              <a:ext uri="{96DAC541-7B7A-43D3-8B79-37D633B846F1}">
-                <asvg:svgBlip xmlns:asvg="http://schemas.microsoft.com/office/drawing/2016/SVG/main" r:embed="rId8"/>
-              </a:ext>
-            </a:extLst>
-          </a:blip>
-          <a:stretch>
-            <a:fillRect/>
-          </a:stretch>
-        </p:blipFill>
-        <p:spPr>
-          <a:xfrm>
-            <a:off x="545997" y="4435473"/>
-            <a:ext cx="1123950" cy="523875"/>
-          </a:xfrm>
-          <a:prstGeom prst="rect">
-            <a:avLst/>
-          </a:prstGeom>
-        </p:spPr>
-      </p:pic>
-      <p:pic>
-        <p:nvPicPr>
-          <p:cNvPr id="31" name="Graphic 30"/>
-          <p:cNvPicPr>
-            <a:picLocks noChangeAspect="1"/>
-          </p:cNvPicPr>
-          <p:nvPr/>
-        </p:nvPicPr>
-        <p:blipFill>
-          <a:blip r:embed="rId9" cstate="screen">
-            <a:extLst>
-              <a:ext uri="{28A0092B-C50C-407E-A947-70E740481C1C}">
-                <a14:useLocalDpi xmlns:a14="http://schemas.microsoft.com/office/drawing/2010/main"/>
-              </a:ext>
-              <a:ext uri="{96DAC541-7B7A-43D3-8B79-37D633B846F1}">
-                <asvg:svgBlip xmlns:asvg="http://schemas.microsoft.com/office/drawing/2016/SVG/main" r:embed="rId10"/>
-              </a:ext>
-            </a:extLst>
-          </a:blip>
-          <a:stretch>
-            <a:fillRect/>
-          </a:stretch>
-        </p:blipFill>
-        <p:spPr>
-          <a:xfrm>
-            <a:off x="10952708" y="480208"/>
-            <a:ext cx="895350" cy="609600"/>
-          </a:xfrm>
-          <a:prstGeom prst="rect">
-            <a:avLst/>
-          </a:prstGeom>
-        </p:spPr>
-      </p:pic>
-      <p:sp>
-        <p:nvSpPr>
-          <p:cNvPr id="13" name="Rectangle 12">
-            <a:extLst>
-              <a:ext uri="{FF2B5EF4-FFF2-40B4-BE49-F238E27FC236}">
-                <a16:creationId xmlns:a16="http://schemas.microsoft.com/office/drawing/2014/main" id="{7BBC993E-39C4-40B7-A3B4-7AFC62D7BE85}"/>
-              </a:ext>
-            </a:extLst>
-          </p:cNvPr>
-          <p:cNvSpPr/>
-          <p:nvPr/>
-        </p:nvSpPr>
-        <p:spPr bwMode="auto">
-          <a:xfrm>
-            <a:off x="2222838" y="5186883"/>
-            <a:ext cx="9624636" cy="1742045"/>
-          </a:xfrm>
-          <a:prstGeom prst="rect">
-            <a:avLst/>
-          </a:prstGeom>
-          <a:noFill/>
-          <a:ln w="3175" cap="flat" cmpd="sng" algn="ctr">
-            <a:noFill/>
-            <a:prstDash val="solid"/>
-            <a:headEnd type="none" w="med" len="med"/>
-            <a:tailEnd type="none" w="med" len="med"/>
-          </a:ln>
-          <a:effectLst/>
-        </p:spPr>
-        <p:txBody>
-          <a:bodyPr rot="0" spcFirstLastPara="0" vertOverflow="overflow" horzOverflow="overflow" vert="horz" wrap="square" lIns="179285" tIns="44821" rIns="89642" bIns="44821" numCol="1" spcCol="0" rtlCol="0" fromWordArt="0" anchor="ctr" anchorCtr="0" forceAA="0" compatLnSpc="1">
-            <a:prstTxWarp prst="textNoShape">
-              <a:avLst/>
-            </a:prstTxWarp>
-            <a:noAutofit/>
-          </a:bodyPr>
-          <a:lstStyle/>
-          <a:p>
-            <a:pPr marL="0" marR="0" lvl="0" indent="0" defTabSz="914367" eaLnBrk="1" fontAlgn="auto" latinLnBrk="0" hangingPunct="1">
-              <a:lnSpc>
-                <a:spcPct val="100000"/>
-              </a:lnSpc>
-              <a:spcBef>
-                <a:spcPts val="294"/>
-              </a:spcBef>
-              <a:spcAft>
-                <a:spcPts val="588"/>
-              </a:spcAft>
-              <a:buClr>
-                <a:srgbClr val="0078D7"/>
-              </a:buClr>
-              <a:buSzPct val="100000"/>
-              <a:buFontTx/>
-              <a:buNone/>
-              <a:tabLst/>
-              <a:defRPr/>
-            </a:pPr>
-            <a:r>
-              <a:rPr kumimoji="0" lang="en-US" sz="2000" b="0" i="0" u="none" strike="noStrike" kern="0" cap="none" spc="0" normalizeH="0" baseline="0" noProof="0" dirty="0">
-                <a:ln>
-                  <a:noFill/>
-                </a:ln>
-                <a:solidFill>
-                  <a:srgbClr val="0078D7"/>
-                </a:solidFill>
-                <a:effectLst/>
-                <a:uLnTx/>
-                <a:uFillTx/>
-                <a:latin typeface="Segoe UI Light"/>
-                <a:ea typeface="+mn-ea"/>
-                <a:cs typeface="+mn-cs"/>
-              </a:rPr>
-              <a:t>External firewall recommended</a:t>
-            </a:r>
-          </a:p>
-          <a:p>
-            <a:pPr marL="228600" marR="0" lvl="1" indent="-228600" defTabSz="914367" eaLnBrk="1" fontAlgn="auto" latinLnBrk="0" hangingPunct="1">
-              <a:lnSpc>
-                <a:spcPct val="100000"/>
-              </a:lnSpc>
-              <a:spcBef>
-                <a:spcPts val="294"/>
-              </a:spcBef>
-              <a:spcAft>
-                <a:spcPts val="588"/>
-              </a:spcAft>
-              <a:buClr>
-                <a:srgbClr val="505050"/>
-              </a:buClr>
-              <a:buSzPct val="100000"/>
-              <a:buFont typeface="Arial" panose="020B0604020202020204" pitchFamily="34" charset="0"/>
-              <a:buChar char="•"/>
-              <a:tabLst/>
-              <a:defRPr/>
-            </a:pPr>
-            <a:r>
-              <a:rPr kumimoji="0" lang="en-US" sz="1800" b="0" i="0" u="none" strike="noStrike" kern="0" cap="none" spc="0" normalizeH="0" baseline="0" noProof="0" dirty="0">
-                <a:ln>
-                  <a:noFill/>
-                </a:ln>
-                <a:solidFill>
-                  <a:srgbClr val="505050"/>
-                </a:solidFill>
-                <a:effectLst/>
-                <a:uLnTx/>
-                <a:uFillTx/>
-                <a:latin typeface="Segoe UI Light"/>
-                <a:ea typeface="+mn-ea"/>
-                <a:cs typeface="+mn-cs"/>
-              </a:rPr>
-              <a:t>Between Azure Stack Hub and Internet</a:t>
-            </a:r>
-          </a:p>
-          <a:p>
-            <a:pPr marL="228600" marR="0" lvl="1" indent="-228600" defTabSz="914367" eaLnBrk="1" fontAlgn="auto" latinLnBrk="0" hangingPunct="1">
-              <a:lnSpc>
-                <a:spcPct val="100000"/>
-              </a:lnSpc>
-              <a:spcBef>
-                <a:spcPts val="294"/>
-              </a:spcBef>
-              <a:spcAft>
-                <a:spcPts val="588"/>
-              </a:spcAft>
-              <a:buClr>
-                <a:srgbClr val="505050"/>
-              </a:buClr>
-              <a:buSzPct val="100000"/>
-              <a:buFont typeface="Arial" panose="020B0604020202020204" pitchFamily="34" charset="0"/>
-              <a:buChar char="•"/>
-              <a:tabLst/>
-              <a:defRPr/>
-            </a:pPr>
-            <a:r>
-              <a:rPr lang="en-US" kern="0" dirty="0">
-                <a:solidFill>
-                  <a:srgbClr val="505050"/>
-                </a:solidFill>
-                <a:latin typeface="Segoe UI Light"/>
-              </a:rPr>
-              <a:t>Protect against unwanted incoming traffic</a:t>
-            </a:r>
-            <a:endParaRPr kumimoji="0" lang="en-US" sz="1800" b="0" i="0" u="none" strike="noStrike" kern="0" cap="none" spc="0" normalizeH="0" baseline="0" noProof="0" dirty="0">
-              <a:ln>
-                <a:noFill/>
-              </a:ln>
-              <a:solidFill>
-                <a:srgbClr val="505050"/>
-              </a:solidFill>
-              <a:effectLst/>
-              <a:uLnTx/>
-              <a:uFillTx/>
-              <a:latin typeface="Segoe UI Light"/>
-              <a:ea typeface="+mn-ea"/>
-              <a:cs typeface="+mn-cs"/>
-            </a:endParaRPr>
-          </a:p>
-        </p:txBody>
-      </p:sp>
-      <p:cxnSp>
-        <p:nvCxnSpPr>
-          <p:cNvPr id="14" name="Straight Connector 13">
-            <a:extLst>
-              <a:ext uri="{FF2B5EF4-FFF2-40B4-BE49-F238E27FC236}">
-                <a16:creationId xmlns:a16="http://schemas.microsoft.com/office/drawing/2014/main" id="{697DB2D8-7AC1-4E9B-88A0-269F3B55B602}"/>
-              </a:ext>
-            </a:extLst>
-          </p:cNvPr>
-          <p:cNvCxnSpPr>
-            <a:cxnSpLocks/>
-          </p:cNvCxnSpPr>
-          <p:nvPr/>
-        </p:nvCxnSpPr>
-        <p:spPr>
-          <a:xfrm>
-            <a:off x="2074959" y="5505046"/>
-            <a:ext cx="0" cy="1105717"/>
-          </a:xfrm>
-          <a:prstGeom prst="line">
-            <a:avLst/>
-          </a:prstGeom>
-          <a:noFill/>
-          <a:ln w="15875" cap="flat" cmpd="sng" algn="ctr">
-            <a:solidFill>
-              <a:srgbClr val="FFFFFF">
-                <a:lumMod val="85000"/>
-              </a:srgbClr>
-            </a:solidFill>
-            <a:prstDash val="solid"/>
-            <a:headEnd type="none"/>
-            <a:tailEnd type="none"/>
-          </a:ln>
-          <a:effectLst/>
-        </p:spPr>
-      </p:cxnSp>
-      <p:pic>
-        <p:nvPicPr>
-          <p:cNvPr id="4" name="Graphic 3" descr="Raised Hand">
-            <a:extLst>
-              <a:ext uri="{FF2B5EF4-FFF2-40B4-BE49-F238E27FC236}">
-                <a16:creationId xmlns:a16="http://schemas.microsoft.com/office/drawing/2014/main" id="{C0E952D8-A20F-4D06-92AD-841C680B0BC8}"/>
-              </a:ext>
-            </a:extLst>
-          </p:cNvPr>
-          <p:cNvPicPr>
-            <a:picLocks noChangeAspect="1"/>
-          </p:cNvPicPr>
-          <p:nvPr/>
-        </p:nvPicPr>
-        <p:blipFill>
-          <a:blip r:embed="rId11">
-            <a:extLst>
-              <a:ext uri="{28A0092B-C50C-407E-A947-70E740481C1C}">
-                <a14:useLocalDpi xmlns:a14="http://schemas.microsoft.com/office/drawing/2010/main" val="0"/>
-              </a:ext>
-              <a:ext uri="{96DAC541-7B7A-43D3-8B79-37D633B846F1}">
-                <asvg:svgBlip xmlns:asvg="http://schemas.microsoft.com/office/drawing/2016/SVG/main" r:embed="rId12"/>
-              </a:ext>
-            </a:extLst>
-          </a:blip>
-          <a:stretch>
-            <a:fillRect/>
-          </a:stretch>
-        </p:blipFill>
-        <p:spPr>
-          <a:xfrm>
-            <a:off x="684328" y="5536383"/>
-            <a:ext cx="914400" cy="914400"/>
-          </a:xfrm>
-          <a:prstGeom prst="rect">
-            <a:avLst/>
-          </a:prstGeom>
-        </p:spPr>
-      </p:pic>
-    </p:spTree>
-    <p:extLst>
-      <p:ext uri="{BB962C8B-B14F-4D97-AF65-F5344CB8AC3E}">
-        <p14:creationId xmlns:p14="http://schemas.microsoft.com/office/powerpoint/2010/main" val="754175310"/>
-      </p:ext>
-    </p:extLst>
-  </p:cSld>
-  <p:clrMapOvr>
-    <a:masterClrMapping/>
-  </p:clrMapOvr>
-  <p:transition>
-    <p:fade/>
-  </p:transition>
-</p:sld>
-</file>
-
-<file path=ppt/slides/slide21.xml><?xml version="1.0" encoding="utf-8"?>
-<p:sld xmlns:a="http://schemas.openxmlformats.org/drawingml/2006/main" xmlns:r="http://schemas.openxmlformats.org/officeDocument/2006/relationships" xmlns:p="http://schemas.openxmlformats.org/presentationml/2006/main">
-  <p:cSld>
     <p:bg>
       <p:bgPr>
         <a:solidFill>
@@ -30312,7 +30209,7 @@
 </p:sld>
 </file>
 
-<file path=ppt/slides/slide22.xml><?xml version="1.0" encoding="utf-8"?>
+<file path=ppt/slides/slide21.xml><?xml version="1.0" encoding="utf-8"?>
 <p:sld xmlns:a="http://schemas.openxmlformats.org/drawingml/2006/main" xmlns:r="http://schemas.openxmlformats.org/officeDocument/2006/relationships" xmlns:p="http://schemas.openxmlformats.org/presentationml/2006/main">
   <p:cSld>
     <p:spTree>
@@ -30409,7 +30306,7 @@
 </p:sld>
 </file>
 
-<file path=ppt/slides/slide23.xml><?xml version="1.0" encoding="utf-8"?>
+<file path=ppt/slides/slide22.xml><?xml version="1.0" encoding="utf-8"?>
 <p:sld xmlns:a="http://schemas.openxmlformats.org/drawingml/2006/main" xmlns:r="http://schemas.openxmlformats.org/officeDocument/2006/relationships" xmlns:p="http://schemas.openxmlformats.org/presentationml/2006/main">
   <p:cSld>
     <p:spTree>
@@ -30616,7 +30513,7 @@
 </p:sld>
 </file>
 
-<file path=ppt/slides/slide24.xml><?xml version="1.0" encoding="utf-8"?>
+<file path=ppt/slides/slide23.xml><?xml version="1.0" encoding="utf-8"?>
 <p:sld xmlns:a="http://schemas.openxmlformats.org/drawingml/2006/main" xmlns:r="http://schemas.openxmlformats.org/officeDocument/2006/relationships" xmlns:p="http://schemas.openxmlformats.org/presentationml/2006/main">
   <p:cSld>
     <p:spTree>
@@ -31029,7 +30926,7 @@
 </p:sld>
 </file>
 
-<file path=ppt/slides/slide25.xml><?xml version="1.0" encoding="utf-8"?>
+<file path=ppt/slides/slide24.xml><?xml version="1.0" encoding="utf-8"?>
 <p:sld xmlns:a="http://schemas.openxmlformats.org/drawingml/2006/main" xmlns:r="http://schemas.openxmlformats.org/officeDocument/2006/relationships" xmlns:p="http://schemas.openxmlformats.org/presentationml/2006/main">
   <p:cSld>
     <p:spTree>
@@ -31291,7 +31188,7 @@
 </p:sld>
 </file>
 
-<file path=ppt/slides/slide26.xml><?xml version="1.0" encoding="utf-8"?>
+<file path=ppt/slides/slide25.xml><?xml version="1.0" encoding="utf-8"?>
 <p:sld xmlns:a="http://schemas.openxmlformats.org/drawingml/2006/main" xmlns:r="http://schemas.openxmlformats.org/officeDocument/2006/relationships" xmlns:p="http://schemas.openxmlformats.org/presentationml/2006/main">
   <p:cSld>
     <p:spTree>
@@ -31857,7 +31754,7 @@
 </p:sld>
 </file>
 
-<file path=ppt/slides/slide27.xml><?xml version="1.0" encoding="utf-8"?>
+<file path=ppt/slides/slide26.xml><?xml version="1.0" encoding="utf-8"?>
 <p:sld xmlns:a="http://schemas.openxmlformats.org/drawingml/2006/main" xmlns:r="http://schemas.openxmlformats.org/officeDocument/2006/relationships" xmlns:p="http://schemas.openxmlformats.org/presentationml/2006/main">
   <p:cSld>
     <p:bg>
@@ -31934,7 +31831,7 @@
 </p:sld>
 </file>
 
-<file path=ppt/slides/slide28.xml><?xml version="1.0" encoding="utf-8"?>
+<file path=ppt/slides/slide27.xml><?xml version="1.0" encoding="utf-8"?>
 <p:sld xmlns:a="http://schemas.openxmlformats.org/drawingml/2006/main" xmlns:r="http://schemas.openxmlformats.org/officeDocument/2006/relationships" xmlns:p="http://schemas.openxmlformats.org/presentationml/2006/main">
   <p:cSld>
     <p:spTree>
@@ -32177,7 +32074,7 @@
 </p:sld>
 </file>
 
-<file path=ppt/slides/slide29.xml><?xml version="1.0" encoding="utf-8"?>
+<file path=ppt/slides/slide28.xml><?xml version="1.0" encoding="utf-8"?>
 <p:sld xmlns:a="http://schemas.openxmlformats.org/drawingml/2006/main" xmlns:r="http://schemas.openxmlformats.org/officeDocument/2006/relationships" xmlns:p="http://schemas.openxmlformats.org/presentationml/2006/main">
   <p:cSld>
     <p:bg>
@@ -32233,6 +32130,56 @@
     <p:extLst>
       <p:ext uri="{BB962C8B-B14F-4D97-AF65-F5344CB8AC3E}">
         <p14:creationId xmlns:p14="http://schemas.microsoft.com/office/powerpoint/2010/main" val="3786595675"/>
+      </p:ext>
+    </p:extLst>
+  </p:cSld>
+  <p:clrMapOvr>
+    <a:masterClrMapping/>
+  </p:clrMapOvr>
+  <mc:AlternateContent xmlns:mc="http://schemas.openxmlformats.org/markup-compatibility/2006" xmlns:p14="http://schemas.microsoft.com/office/powerpoint/2010/main">
+    <mc:Choice Requires="p14">
+      <p:transition spd="med" p14:dur="700">
+        <p:fade/>
+      </p:transition>
+    </mc:Choice>
+    <mc:Fallback xmlns="">
+      <p:transition spd="med">
+        <p:fade/>
+      </p:transition>
+    </mc:Fallback>
+  </mc:AlternateContent>
+</p:sld>
+</file>
+
+<file path=ppt/slides/slide29.xml><?xml version="1.0" encoding="utf-8"?>
+<p:sld xmlns:a="http://schemas.openxmlformats.org/drawingml/2006/main" xmlns:r="http://schemas.openxmlformats.org/officeDocument/2006/relationships" xmlns:p="http://schemas.openxmlformats.org/presentationml/2006/main">
+  <p:cSld>
+    <p:bg>
+      <p:bgPr>
+        <a:solidFill>
+          <a:srgbClr val="353535"/>
+        </a:solidFill>
+        <a:effectLst/>
+      </p:bgPr>
+    </p:bg>
+    <p:spTree>
+      <p:nvGrpSpPr>
+        <p:cNvPr id="1" name=""/>
+        <p:cNvGrpSpPr/>
+        <p:nvPr/>
+      </p:nvGrpSpPr>
+      <p:grpSpPr>
+        <a:xfrm>
+          <a:off x="0" y="0"/>
+          <a:ext cx="0" cy="0"/>
+          <a:chOff x="0" y="0"/>
+          <a:chExt cx="0" cy="0"/>
+        </a:xfrm>
+      </p:grpSpPr>
+    </p:spTree>
+    <p:extLst>
+      <p:ext uri="{BB962C8B-B14F-4D97-AF65-F5344CB8AC3E}">
+        <p14:creationId xmlns:p14="http://schemas.microsoft.com/office/powerpoint/2010/main" val="2402828649"/>
       </p:ext>
     </p:extLst>
   </p:cSld>
@@ -32325,56 +32272,6 @@
   <p:transition>
     <p:fade/>
   </p:transition>
-</p:sld>
-</file>
-
-<file path=ppt/slides/slide30.xml><?xml version="1.0" encoding="utf-8"?>
-<p:sld xmlns:a="http://schemas.openxmlformats.org/drawingml/2006/main" xmlns:r="http://schemas.openxmlformats.org/officeDocument/2006/relationships" xmlns:p="http://schemas.openxmlformats.org/presentationml/2006/main">
-  <p:cSld>
-    <p:bg>
-      <p:bgPr>
-        <a:solidFill>
-          <a:srgbClr val="353535"/>
-        </a:solidFill>
-        <a:effectLst/>
-      </p:bgPr>
-    </p:bg>
-    <p:spTree>
-      <p:nvGrpSpPr>
-        <p:cNvPr id="1" name=""/>
-        <p:cNvGrpSpPr/>
-        <p:nvPr/>
-      </p:nvGrpSpPr>
-      <p:grpSpPr>
-        <a:xfrm>
-          <a:off x="0" y="0"/>
-          <a:ext cx="0" cy="0"/>
-          <a:chOff x="0" y="0"/>
-          <a:chExt cx="0" cy="0"/>
-        </a:xfrm>
-      </p:grpSpPr>
-    </p:spTree>
-    <p:extLst>
-      <p:ext uri="{BB962C8B-B14F-4D97-AF65-F5344CB8AC3E}">
-        <p14:creationId xmlns:p14="http://schemas.microsoft.com/office/powerpoint/2010/main" val="2402828649"/>
-      </p:ext>
-    </p:extLst>
-  </p:cSld>
-  <p:clrMapOvr>
-    <a:masterClrMapping/>
-  </p:clrMapOvr>
-  <mc:AlternateContent xmlns:mc="http://schemas.openxmlformats.org/markup-compatibility/2006" xmlns:p14="http://schemas.microsoft.com/office/powerpoint/2010/main">
-    <mc:Choice Requires="p14">
-      <p:transition spd="med" p14:dur="700">
-        <p:fade/>
-      </p:transition>
-    </mc:Choice>
-    <mc:Fallback xmlns="">
-      <p:transition spd="med">
-        <p:fade/>
-      </p:transition>
-    </mc:Fallback>
-  </mc:AlternateContent>
 </p:sld>
 </file>
 
@@ -39079,4 +38976,10 @@
     </a:ext>
   </a:extLst>
 </a:theme>
+</file>
+
+<file path=docMetadata/LabelInfo.xml><?xml version="1.0" encoding="utf-8"?>
+<clbl:labelList xmlns:clbl="http://schemas.microsoft.com/office/2020/mipLabelMetadata">
+  <clbl:label id="{f42aa342-8706-4288-bd11-ebb85995028c}" enabled="1" method="Standard" siteId="{72f988bf-86f1-41af-91ab-2d7cd011db47}" removed="0"/>
+</clbl:labelList>
 </file>